--- a/sass.pptx
+++ b/sass.pptx
@@ -3564,6 +3564,39 @@
               <a:rPr lang="en-US" altLang="zh-TW" dirty="0" smtClean="0"/>
               <a:t>CSS</a:t>
             </a:r>
+          </a:p>
+          <a:p>
+            <a:r>
+              <a:rPr lang="zh-TW" altLang="en-US" dirty="0"/>
+              <a:t>早期為</a:t>
+            </a:r>
+            <a:r>
+              <a:rPr lang="en-US" altLang="zh-TW" dirty="0"/>
+              <a:t>SASS</a:t>
+            </a:r>
+            <a:r>
+              <a:rPr lang="zh-TW" altLang="en-US" dirty="0" smtClean="0"/>
+              <a:t>，較新的語法為</a:t>
+            </a:r>
+            <a:r>
+              <a:rPr lang="en-US" altLang="zh-TW" dirty="0" smtClean="0"/>
+              <a:t>SCSS</a:t>
+            </a:r>
+            <a:endParaRPr lang="en-US" altLang="zh-TW" dirty="0"/>
+          </a:p>
+          <a:p>
+            <a:r>
+              <a:rPr lang="en-US" altLang="zh-TW" dirty="0" smtClean="0"/>
+              <a:t>SCSS</a:t>
+            </a:r>
+            <a:r>
+              <a:rPr lang="zh-TW" altLang="en-US" dirty="0" smtClean="0"/>
+              <a:t> 完全相容於</a:t>
+            </a:r>
+            <a:r>
+              <a:rPr lang="en-US" altLang="zh-TW" smtClean="0"/>
+              <a:t>CSS</a:t>
+            </a:r>
             <a:endParaRPr lang="zh-TW" altLang="en-US" dirty="0"/>
           </a:p>
         </p:txBody>

--- a/sass.pptx
+++ b/sass.pptx
@@ -3567,11 +3567,11 @@
           </a:p>
           <a:p>
             <a:r>
-              <a:rPr lang="zh-TW" altLang="en-US" dirty="0"/>
+              <a:rPr lang="zh-TW" altLang="en-US" dirty="0" smtClean="0"/>
               <a:t>早期為</a:t>
             </a:r>
             <a:r>
-              <a:rPr lang="en-US" altLang="zh-TW" dirty="0"/>
+              <a:rPr lang="en-US" altLang="zh-TW" dirty="0" smtClean="0"/>
               <a:t>SASS</a:t>
             </a:r>
             <a:r>
@@ -3582,7 +3582,6 @@
               <a:rPr lang="en-US" altLang="zh-TW" dirty="0" smtClean="0"/>
               <a:t>SCSS</a:t>
             </a:r>
-            <a:endParaRPr lang="en-US" altLang="zh-TW" dirty="0"/>
           </a:p>
           <a:p>
             <a:r>
@@ -3594,7 +3593,7 @@
               <a:t> 完全相容於</a:t>
             </a:r>
             <a:r>
-              <a:rPr lang="en-US" altLang="zh-TW" smtClean="0"/>
+              <a:rPr lang="en-US" altLang="zh-TW" dirty="0" smtClean="0"/>
               <a:t>CSS</a:t>
             </a:r>
             <a:endParaRPr lang="zh-TW" altLang="en-US" dirty="0"/>

--- a/sass.pptx
+++ b/sass.pptx
@@ -16,7 +16,9 @@
     <p:sldId id="266" r:id="rId10"/>
     <p:sldId id="269" r:id="rId11"/>
     <p:sldId id="270" r:id="rId12"/>
-    <p:sldId id="267" r:id="rId13"/>
+    <p:sldId id="271" r:id="rId13"/>
+    <p:sldId id="267" r:id="rId14"/>
+    <p:sldId id="272" r:id="rId15"/>
   </p:sldIdLst>
   <p:sldSz cx="12192000" cy="6858000"/>
   <p:notesSz cx="6858000" cy="9144000"/>
@@ -254,7 +256,7 @@
           <a:p>
             <a:fld id="{CDC3F6E4-7B21-4005-8AAB-2FF86E1F46D3}" type="datetimeFigureOut">
               <a:rPr lang="zh-TW" altLang="en-US" smtClean="0"/>
-              <a:t>2021/12/12</a:t>
+              <a:t>2021/12/13</a:t>
             </a:fld>
             <a:endParaRPr lang="zh-TW" altLang="en-US"/>
           </a:p>
@@ -424,7 +426,7 @@
           <a:p>
             <a:fld id="{CDC3F6E4-7B21-4005-8AAB-2FF86E1F46D3}" type="datetimeFigureOut">
               <a:rPr lang="zh-TW" altLang="en-US" smtClean="0"/>
-              <a:t>2021/12/12</a:t>
+              <a:t>2021/12/13</a:t>
             </a:fld>
             <a:endParaRPr lang="zh-TW" altLang="en-US"/>
           </a:p>
@@ -604,7 +606,7 @@
           <a:p>
             <a:fld id="{CDC3F6E4-7B21-4005-8AAB-2FF86E1F46D3}" type="datetimeFigureOut">
               <a:rPr lang="zh-TW" altLang="en-US" smtClean="0"/>
-              <a:t>2021/12/12</a:t>
+              <a:t>2021/12/13</a:t>
             </a:fld>
             <a:endParaRPr lang="zh-TW" altLang="en-US"/>
           </a:p>
@@ -774,7 +776,7 @@
           <a:p>
             <a:fld id="{CDC3F6E4-7B21-4005-8AAB-2FF86E1F46D3}" type="datetimeFigureOut">
               <a:rPr lang="zh-TW" altLang="en-US" smtClean="0"/>
-              <a:t>2021/12/12</a:t>
+              <a:t>2021/12/13</a:t>
             </a:fld>
             <a:endParaRPr lang="zh-TW" altLang="en-US"/>
           </a:p>
@@ -1020,7 +1022,7 @@
           <a:p>
             <a:fld id="{CDC3F6E4-7B21-4005-8AAB-2FF86E1F46D3}" type="datetimeFigureOut">
               <a:rPr lang="zh-TW" altLang="en-US" smtClean="0"/>
-              <a:t>2021/12/12</a:t>
+              <a:t>2021/12/13</a:t>
             </a:fld>
             <a:endParaRPr lang="zh-TW" altLang="en-US"/>
           </a:p>
@@ -1252,7 +1254,7 @@
           <a:p>
             <a:fld id="{CDC3F6E4-7B21-4005-8AAB-2FF86E1F46D3}" type="datetimeFigureOut">
               <a:rPr lang="zh-TW" altLang="en-US" smtClean="0"/>
-              <a:t>2021/12/12</a:t>
+              <a:t>2021/12/13</a:t>
             </a:fld>
             <a:endParaRPr lang="zh-TW" altLang="en-US"/>
           </a:p>
@@ -1619,7 +1621,7 @@
           <a:p>
             <a:fld id="{CDC3F6E4-7B21-4005-8AAB-2FF86E1F46D3}" type="datetimeFigureOut">
               <a:rPr lang="zh-TW" altLang="en-US" smtClean="0"/>
-              <a:t>2021/12/12</a:t>
+              <a:t>2021/12/13</a:t>
             </a:fld>
             <a:endParaRPr lang="zh-TW" altLang="en-US"/>
           </a:p>
@@ -1737,7 +1739,7 @@
           <a:p>
             <a:fld id="{CDC3F6E4-7B21-4005-8AAB-2FF86E1F46D3}" type="datetimeFigureOut">
               <a:rPr lang="zh-TW" altLang="en-US" smtClean="0"/>
-              <a:t>2021/12/12</a:t>
+              <a:t>2021/12/13</a:t>
             </a:fld>
             <a:endParaRPr lang="zh-TW" altLang="en-US"/>
           </a:p>
@@ -1832,7 +1834,7 @@
           <a:p>
             <a:fld id="{CDC3F6E4-7B21-4005-8AAB-2FF86E1F46D3}" type="datetimeFigureOut">
               <a:rPr lang="zh-TW" altLang="en-US" smtClean="0"/>
-              <a:t>2021/12/12</a:t>
+              <a:t>2021/12/13</a:t>
             </a:fld>
             <a:endParaRPr lang="zh-TW" altLang="en-US"/>
           </a:p>
@@ -2109,7 +2111,7 @@
           <a:p>
             <a:fld id="{CDC3F6E4-7B21-4005-8AAB-2FF86E1F46D3}" type="datetimeFigureOut">
               <a:rPr lang="zh-TW" altLang="en-US" smtClean="0"/>
-              <a:t>2021/12/12</a:t>
+              <a:t>2021/12/13</a:t>
             </a:fld>
             <a:endParaRPr lang="zh-TW" altLang="en-US"/>
           </a:p>
@@ -2362,7 +2364,7 @@
           <a:p>
             <a:fld id="{CDC3F6E4-7B21-4005-8AAB-2FF86E1F46D3}" type="datetimeFigureOut">
               <a:rPr lang="zh-TW" altLang="en-US" smtClean="0"/>
-              <a:t>2021/12/12</a:t>
+              <a:t>2021/12/13</a:t>
             </a:fld>
             <a:endParaRPr lang="zh-TW" altLang="en-US"/>
           </a:p>
@@ -2575,7 +2577,7 @@
           <a:p>
             <a:fld id="{CDC3F6E4-7B21-4005-8AAB-2FF86E1F46D3}" type="datetimeFigureOut">
               <a:rPr lang="zh-TW" altLang="en-US" smtClean="0"/>
-              <a:t>2021/12/12</a:t>
+              <a:t>2021/12/13</a:t>
             </a:fld>
             <a:endParaRPr lang="zh-TW" altLang="en-US"/>
           </a:p>
@@ -3046,6 +3048,36 @@
           </a:p>
         </p:txBody>
       </p:sp>
+      <p:pic>
+        <p:nvPicPr>
+          <p:cNvPr id="4" name="圖片 3"/>
+          <p:cNvPicPr>
+            <a:picLocks noChangeAspect="1"/>
+          </p:cNvPicPr>
+          <p:nvPr/>
+        </p:nvPicPr>
+        <p:blipFill>
+          <a:blip r:embed="rId2">
+            <a:extLst>
+              <a:ext uri="{28A0092B-C50C-407E-A947-70E740481C1C}">
+                <a14:useLocalDpi xmlns:a14="http://schemas.microsoft.com/office/drawing/2010/main" val="0"/>
+              </a:ext>
+            </a:extLst>
+          </a:blip>
+          <a:stretch>
+            <a:fillRect/>
+          </a:stretch>
+        </p:blipFill>
+        <p:spPr>
+          <a:xfrm>
+            <a:off x="5686425" y="3509963"/>
+            <a:ext cx="6505575" cy="3257550"/>
+          </a:xfrm>
+          <a:prstGeom prst="rect">
+            <a:avLst/>
+          </a:prstGeom>
+        </p:spPr>
+      </p:pic>
     </p:spTree>
     <p:extLst>
       <p:ext uri="{BB962C8B-B14F-4D97-AF65-F5344CB8AC3E}">
@@ -3093,7 +3125,15 @@
           <a:p>
             <a:r>
               <a:rPr lang="en-US" altLang="zh-TW" dirty="0" smtClean="0"/>
-              <a:t>@for</a:t>
+              <a:t>@</a:t>
+            </a:r>
+            <a:r>
+              <a:rPr lang="en-US" altLang="zh-TW" dirty="0" smtClean="0"/>
+              <a:t>for </a:t>
+            </a:r>
+            <a:r>
+              <a:rPr lang="zh-TW" altLang="en-US" dirty="0" smtClean="0"/>
+              <a:t>迴圈</a:t>
             </a:r>
             <a:endParaRPr lang="zh-TW" altLang="en-US" dirty="0"/>
           </a:p>
@@ -3417,6 +3457,305 @@
           <a:lstStyle/>
           <a:p>
             <a:r>
+              <a:rPr lang="en-US" altLang="zh-TW" dirty="0" smtClean="0"/>
+              <a:t>@each</a:t>
+            </a:r>
+            <a:r>
+              <a:rPr lang="zh-TW" altLang="en-US" dirty="0" smtClean="0"/>
+              <a:t> 迴圈</a:t>
+            </a:r>
+            <a:endParaRPr lang="zh-TW" altLang="en-US" dirty="0"/>
+          </a:p>
+        </p:txBody>
+      </p:sp>
+      <p:sp>
+        <p:nvSpPr>
+          <p:cNvPr id="3" name="內容版面配置區 2"/>
+          <p:cNvSpPr>
+            <a:spLocks noGrp="1"/>
+          </p:cNvSpPr>
+          <p:nvPr>
+            <p:ph idx="1"/>
+          </p:nvPr>
+        </p:nvSpPr>
+        <p:spPr/>
+        <p:txBody>
+          <a:bodyPr/>
+          <a:lstStyle/>
+          <a:p>
+            <a:pPr marL="0" indent="0">
+              <a:buNone/>
+            </a:pPr>
+            <a:r>
+              <a:rPr lang="en-US" altLang="zh-TW" dirty="0" smtClean="0">
+                <a:solidFill>
+                  <a:srgbClr val="FF0000"/>
+                </a:solidFill>
+              </a:rPr>
+              <a:t>$</a:t>
+            </a:r>
+            <a:r>
+              <a:rPr lang="zh-TW" altLang="en-US" dirty="0" smtClean="0">
+                <a:solidFill>
+                  <a:srgbClr val="FF0000"/>
+                </a:solidFill>
+              </a:rPr>
+              <a:t>變數 </a:t>
+            </a:r>
+            <a:r>
+              <a:rPr lang="en-US" altLang="zh-TW" dirty="0" smtClean="0">
+                <a:solidFill>
+                  <a:srgbClr val="FF0000"/>
+                </a:solidFill>
+              </a:rPr>
+              <a:t>:</a:t>
+            </a:r>
+            <a:r>
+              <a:rPr lang="zh-TW" altLang="en-US" dirty="0" smtClean="0">
+                <a:solidFill>
+                  <a:srgbClr val="FF0000"/>
+                </a:solidFill>
+              </a:rPr>
+              <a:t> </a:t>
+            </a:r>
+            <a:r>
+              <a:rPr lang="en-US" altLang="zh-TW" dirty="0" smtClean="0">
+                <a:solidFill>
+                  <a:srgbClr val="FF0000"/>
+                </a:solidFill>
+              </a:rPr>
+              <a:t>(</a:t>
+            </a:r>
+          </a:p>
+          <a:p>
+            <a:pPr marL="0" indent="0">
+              <a:buNone/>
+            </a:pPr>
+            <a:r>
+              <a:rPr lang="en-US" altLang="zh-TW" dirty="0">
+                <a:solidFill>
+                  <a:schemeClr val="accent1"/>
+                </a:solidFill>
+              </a:rPr>
+              <a:t>	</a:t>
+            </a:r>
+            <a:r>
+              <a:rPr lang="en-US" altLang="zh-TW" dirty="0" smtClean="0">
+                <a:solidFill>
+                  <a:schemeClr val="accent1"/>
+                </a:solidFill>
+              </a:rPr>
+              <a:t>key : value,</a:t>
+            </a:r>
+          </a:p>
+          <a:p>
+            <a:pPr marL="0" indent="0">
+              <a:buNone/>
+            </a:pPr>
+            <a:r>
+              <a:rPr lang="en-US" altLang="zh-TW" dirty="0">
+                <a:solidFill>
+                  <a:schemeClr val="accent1"/>
+                </a:solidFill>
+              </a:rPr>
+              <a:t>	</a:t>
+            </a:r>
+            <a:r>
+              <a:rPr lang="en-US" altLang="zh-TW" dirty="0" smtClean="0">
+                <a:solidFill>
+                  <a:schemeClr val="accent1"/>
+                </a:solidFill>
+              </a:rPr>
+              <a:t>key : </a:t>
+            </a:r>
+            <a:r>
+              <a:rPr lang="en-US" altLang="zh-TW" dirty="0" smtClean="0">
+                <a:solidFill>
+                  <a:schemeClr val="accent1"/>
+                </a:solidFill>
+              </a:rPr>
+              <a:t>value</a:t>
+            </a:r>
+            <a:endParaRPr lang="en-US" altLang="zh-TW" dirty="0" smtClean="0">
+              <a:solidFill>
+                <a:schemeClr val="accent1"/>
+              </a:solidFill>
+            </a:endParaRPr>
+          </a:p>
+          <a:p>
+            <a:pPr marL="0" indent="0">
+              <a:buNone/>
+            </a:pPr>
+            <a:r>
+              <a:rPr lang="en-US" altLang="zh-TW" dirty="0" smtClean="0">
+                <a:solidFill>
+                  <a:srgbClr val="FF0000"/>
+                </a:solidFill>
+              </a:rPr>
+              <a:t>)</a:t>
+            </a:r>
+          </a:p>
+          <a:p>
+            <a:pPr marL="0" indent="0">
+              <a:buNone/>
+            </a:pPr>
+            <a:r>
+              <a:rPr lang="en-US" altLang="zh-TW" dirty="0" smtClean="0">
+                <a:solidFill>
+                  <a:srgbClr val="FF0000"/>
+                </a:solidFill>
+              </a:rPr>
+              <a:t>@each </a:t>
+            </a:r>
+            <a:r>
+              <a:rPr lang="en-US" altLang="zh-TW" dirty="0" err="1" smtClean="0">
+                <a:solidFill>
+                  <a:schemeClr val="accent1"/>
+                </a:solidFill>
+              </a:rPr>
+              <a:t>key,value</a:t>
+            </a:r>
+            <a:r>
+              <a:rPr lang="en-US" altLang="zh-TW" dirty="0" smtClean="0">
+                <a:solidFill>
+                  <a:schemeClr val="accent1"/>
+                </a:solidFill>
+              </a:rPr>
+              <a:t> </a:t>
+            </a:r>
+            <a:r>
+              <a:rPr lang="en-US" altLang="zh-TW" dirty="0" smtClean="0">
+                <a:solidFill>
+                  <a:srgbClr val="FF0000"/>
+                </a:solidFill>
+              </a:rPr>
+              <a:t>in</a:t>
+            </a:r>
+            <a:r>
+              <a:rPr lang="en-US" altLang="zh-TW" dirty="0" smtClean="0">
+                <a:solidFill>
+                  <a:schemeClr val="accent1"/>
+                </a:solidFill>
+              </a:rPr>
+              <a:t> </a:t>
+            </a:r>
+            <a:r>
+              <a:rPr lang="en-US" altLang="zh-TW" dirty="0" smtClean="0">
+                <a:solidFill>
+                  <a:srgbClr val="FF0000"/>
+                </a:solidFill>
+              </a:rPr>
+              <a:t>$</a:t>
+            </a:r>
+            <a:r>
+              <a:rPr lang="zh-TW" altLang="en-US" dirty="0" smtClean="0">
+                <a:solidFill>
+                  <a:schemeClr val="accent1"/>
+                </a:solidFill>
+              </a:rPr>
+              <a:t>變數</a:t>
+            </a:r>
+            <a:r>
+              <a:rPr lang="en-US" altLang="zh-TW" dirty="0" smtClean="0">
+                <a:solidFill>
+                  <a:srgbClr val="FF0000"/>
+                </a:solidFill>
+              </a:rPr>
+              <a:t>{</a:t>
+            </a:r>
+          </a:p>
+          <a:p>
+            <a:pPr marL="0" indent="0">
+              <a:buNone/>
+            </a:pPr>
+            <a:r>
+              <a:rPr lang="en-US" altLang="zh-TW" dirty="0">
+                <a:solidFill>
+                  <a:schemeClr val="accent1"/>
+                </a:solidFill>
+              </a:rPr>
+              <a:t>	</a:t>
+            </a:r>
+            <a:r>
+              <a:rPr lang="en-US" altLang="zh-TW" dirty="0" smtClean="0">
+                <a:solidFill>
+                  <a:schemeClr val="accent1"/>
+                </a:solidFill>
+              </a:rPr>
+              <a:t>…</a:t>
+            </a:r>
+            <a:endParaRPr lang="en-US" altLang="zh-TW" dirty="0" smtClean="0">
+              <a:solidFill>
+                <a:schemeClr val="accent1"/>
+              </a:solidFill>
+            </a:endParaRPr>
+          </a:p>
+          <a:p>
+            <a:pPr marL="0" indent="0">
+              <a:buNone/>
+            </a:pPr>
+            <a:r>
+              <a:rPr lang="en-US" altLang="zh-TW" dirty="0">
+                <a:solidFill>
+                  <a:srgbClr val="FF0000"/>
+                </a:solidFill>
+              </a:rPr>
+              <a:t>}</a:t>
+            </a:r>
+            <a:endParaRPr lang="zh-TW" altLang="en-US" dirty="0">
+              <a:solidFill>
+                <a:srgbClr val="FF0000"/>
+              </a:solidFill>
+            </a:endParaRPr>
+          </a:p>
+        </p:txBody>
+      </p:sp>
+    </p:spTree>
+    <p:extLst>
+      <p:ext uri="{BB962C8B-B14F-4D97-AF65-F5344CB8AC3E}">
+        <p14:creationId xmlns:p14="http://schemas.microsoft.com/office/powerpoint/2010/main" val="3363441218"/>
+      </p:ext>
+    </p:extLst>
+  </p:cSld>
+  <p:clrMapOvr>
+    <a:masterClrMapping/>
+  </p:clrMapOvr>
+</p:sld>
+</file>
+
+<file path=ppt/slides/slide13.xml><?xml version="1.0" encoding="utf-8"?>
+<p:sld xmlns:a="http://schemas.openxmlformats.org/drawingml/2006/main" xmlns:r="http://schemas.openxmlformats.org/officeDocument/2006/relationships" xmlns:p="http://schemas.openxmlformats.org/presentationml/2006/main">
+  <p:cSld>
+    <p:spTree>
+      <p:nvGrpSpPr>
+        <p:cNvPr id="1" name=""/>
+        <p:cNvGrpSpPr/>
+        <p:nvPr/>
+      </p:nvGrpSpPr>
+      <p:grpSpPr>
+        <a:xfrm>
+          <a:off x="0" y="0"/>
+          <a:ext cx="0" cy="0"/>
+          <a:chOff x="0" y="0"/>
+          <a:chExt cx="0" cy="0"/>
+        </a:xfrm>
+      </p:grpSpPr>
+      <p:sp>
+        <p:nvSpPr>
+          <p:cNvPr id="2" name="標題 1"/>
+          <p:cNvSpPr>
+            <a:spLocks noGrp="1"/>
+          </p:cNvSpPr>
+          <p:nvPr>
+            <p:ph type="title"/>
+          </p:nvPr>
+        </p:nvSpPr>
+        <p:spPr/>
+        <p:txBody>
+          <a:bodyPr/>
+          <a:lstStyle/>
+          <a:p>
+            <a:r>
               <a:rPr lang="en-US" altLang="zh-TW" smtClean="0"/>
               <a:t>@if…@else</a:t>
             </a:r>
@@ -3457,6 +3796,89 @@
     <p:extLst>
       <p:ext uri="{BB962C8B-B14F-4D97-AF65-F5344CB8AC3E}">
         <p14:creationId xmlns:p14="http://schemas.microsoft.com/office/powerpoint/2010/main" val="3051060903"/>
+      </p:ext>
+    </p:extLst>
+  </p:cSld>
+  <p:clrMapOvr>
+    <a:masterClrMapping/>
+  </p:clrMapOvr>
+</p:sld>
+</file>
+
+<file path=ppt/slides/slide14.xml><?xml version="1.0" encoding="utf-8"?>
+<p:sld xmlns:a="http://schemas.openxmlformats.org/drawingml/2006/main" xmlns:r="http://schemas.openxmlformats.org/officeDocument/2006/relationships" xmlns:p="http://schemas.openxmlformats.org/presentationml/2006/main">
+  <p:cSld>
+    <p:spTree>
+      <p:nvGrpSpPr>
+        <p:cNvPr id="1" name=""/>
+        <p:cNvGrpSpPr/>
+        <p:nvPr/>
+      </p:nvGrpSpPr>
+      <p:grpSpPr>
+        <a:xfrm>
+          <a:off x="0" y="0"/>
+          <a:ext cx="0" cy="0"/>
+          <a:chOff x="0" y="0"/>
+          <a:chExt cx="0" cy="0"/>
+        </a:xfrm>
+      </p:grpSpPr>
+      <p:sp>
+        <p:nvSpPr>
+          <p:cNvPr id="2" name="標題 1"/>
+          <p:cNvSpPr>
+            <a:spLocks noGrp="1"/>
+          </p:cNvSpPr>
+          <p:nvPr>
+            <p:ph type="title"/>
+          </p:nvPr>
+        </p:nvSpPr>
+        <p:spPr/>
+        <p:txBody>
+          <a:bodyPr/>
+          <a:lstStyle/>
+          <a:p>
+            <a:r>
+              <a:rPr lang="zh-TW" altLang="en-US" dirty="0" smtClean="0"/>
+              <a:t>實作</a:t>
+            </a:r>
+            <a:endParaRPr lang="zh-TW" altLang="en-US" dirty="0"/>
+          </a:p>
+        </p:txBody>
+      </p:sp>
+      <p:sp>
+        <p:nvSpPr>
+          <p:cNvPr id="3" name="內容版面配置區 2"/>
+          <p:cNvSpPr>
+            <a:spLocks noGrp="1"/>
+          </p:cNvSpPr>
+          <p:nvPr>
+            <p:ph idx="1"/>
+          </p:nvPr>
+        </p:nvSpPr>
+        <p:spPr/>
+        <p:txBody>
+          <a:bodyPr/>
+          <a:lstStyle/>
+          <a:p>
+            <a:r>
+              <a:rPr lang="zh-TW" altLang="en-US" dirty="0"/>
+              <a:t>建立簡易</a:t>
+            </a:r>
+            <a:r>
+              <a:rPr lang="en-US" altLang="zh-TW" dirty="0"/>
+              <a:t>Bootstrap</a:t>
+            </a:r>
+            <a:r>
+              <a:rPr lang="zh-TW" altLang="en-US" dirty="0"/>
+              <a:t>網格系統</a:t>
+            </a:r>
+          </a:p>
+        </p:txBody>
+      </p:sp>
+    </p:spTree>
+    <p:extLst>
+      <p:ext uri="{BB962C8B-B14F-4D97-AF65-F5344CB8AC3E}">
+        <p14:creationId xmlns:p14="http://schemas.microsoft.com/office/powerpoint/2010/main" val="356054849"/>
       </p:ext>
     </p:extLst>
   </p:cSld>

--- a/sass.pptx
+++ b/sass.pptx
@@ -6,19 +6,20 @@
   </p:sldMasterIdLst>
   <p:sldIdLst>
     <p:sldId id="256" r:id="rId2"/>
-    <p:sldId id="257" r:id="rId3"/>
-    <p:sldId id="258" r:id="rId4"/>
-    <p:sldId id="261" r:id="rId5"/>
-    <p:sldId id="262" r:id="rId6"/>
-    <p:sldId id="263" r:id="rId7"/>
-    <p:sldId id="268" r:id="rId8"/>
-    <p:sldId id="265" r:id="rId9"/>
-    <p:sldId id="266" r:id="rId10"/>
-    <p:sldId id="269" r:id="rId11"/>
-    <p:sldId id="270" r:id="rId12"/>
-    <p:sldId id="271" r:id="rId13"/>
-    <p:sldId id="267" r:id="rId14"/>
-    <p:sldId id="272" r:id="rId15"/>
+    <p:sldId id="273" r:id="rId3"/>
+    <p:sldId id="257" r:id="rId4"/>
+    <p:sldId id="258" r:id="rId5"/>
+    <p:sldId id="261" r:id="rId6"/>
+    <p:sldId id="262" r:id="rId7"/>
+    <p:sldId id="263" r:id="rId8"/>
+    <p:sldId id="268" r:id="rId9"/>
+    <p:sldId id="265" r:id="rId10"/>
+    <p:sldId id="266" r:id="rId11"/>
+    <p:sldId id="269" r:id="rId12"/>
+    <p:sldId id="270" r:id="rId13"/>
+    <p:sldId id="271" r:id="rId14"/>
+    <p:sldId id="267" r:id="rId15"/>
+    <p:sldId id="272" r:id="rId16"/>
   </p:sldIdLst>
   <p:sldSz cx="12192000" cy="6858000"/>
   <p:notesSz cx="6858000" cy="9144000"/>
@@ -3125,11 +3126,219 @@
           <a:p>
             <a:r>
               <a:rPr lang="en-US" altLang="zh-TW" dirty="0" smtClean="0"/>
-              <a:t>@</a:t>
+              <a:t>@for</a:t>
+            </a:r>
+            <a:endParaRPr lang="zh-TW" altLang="en-US" dirty="0"/>
+          </a:p>
+        </p:txBody>
+      </p:sp>
+      <p:sp>
+        <p:nvSpPr>
+          <p:cNvPr id="3" name="內容版面配置區 2"/>
+          <p:cNvSpPr>
+            <a:spLocks noGrp="1"/>
+          </p:cNvSpPr>
+          <p:nvPr>
+            <p:ph idx="1"/>
+          </p:nvPr>
+        </p:nvSpPr>
+        <p:spPr/>
+        <p:txBody>
+          <a:bodyPr/>
+          <a:lstStyle/>
+          <a:p>
+            <a:pPr marL="0" indent="0">
+              <a:buNone/>
+            </a:pPr>
+            <a:r>
+              <a:rPr lang="en-US" altLang="zh-TW" dirty="0" smtClean="0">
+                <a:solidFill>
+                  <a:schemeClr val="accent1"/>
+                </a:solidFill>
+              </a:rPr>
+              <a:t>@for </a:t>
+            </a:r>
+            <a:r>
+              <a:rPr lang="zh-TW" altLang="en-US" dirty="0" smtClean="0">
+                <a:solidFill>
+                  <a:srgbClr val="FF0000"/>
+                </a:solidFill>
+              </a:rPr>
+              <a:t>變數</a:t>
+            </a:r>
+            <a:r>
+              <a:rPr lang="zh-TW" altLang="en-US" dirty="0" smtClean="0"/>
+              <a:t> </a:t>
+            </a:r>
+            <a:r>
+              <a:rPr lang="en-US" altLang="zh-TW" dirty="0" smtClean="0">
+                <a:solidFill>
+                  <a:schemeClr val="accent1"/>
+                </a:solidFill>
+              </a:rPr>
+              <a:t>from</a:t>
             </a:r>
             <a:r>
               <a:rPr lang="en-US" altLang="zh-TW" dirty="0" smtClean="0"/>
-              <a:t>for </a:t>
+              <a:t> </a:t>
+            </a:r>
+            <a:r>
+              <a:rPr lang="zh-TW" altLang="en-US" dirty="0" smtClean="0">
+                <a:solidFill>
+                  <a:srgbClr val="FF0000"/>
+                </a:solidFill>
+              </a:rPr>
+              <a:t>初始值</a:t>
+            </a:r>
+            <a:r>
+              <a:rPr lang="zh-TW" altLang="en-US" dirty="0" smtClean="0"/>
+              <a:t> </a:t>
+            </a:r>
+            <a:r>
+              <a:rPr lang="en-US" altLang="zh-TW" dirty="0" smtClean="0">
+                <a:solidFill>
+                  <a:schemeClr val="accent1"/>
+                </a:solidFill>
+              </a:rPr>
+              <a:t>through</a:t>
+            </a:r>
+            <a:r>
+              <a:rPr lang="en-US" altLang="zh-TW" dirty="0" smtClean="0"/>
+              <a:t> </a:t>
+            </a:r>
+            <a:r>
+              <a:rPr lang="zh-TW" altLang="en-US" dirty="0" smtClean="0">
+                <a:solidFill>
+                  <a:srgbClr val="FF0000"/>
+                </a:solidFill>
+              </a:rPr>
+              <a:t>終止值</a:t>
+            </a:r>
+            <a:r>
+              <a:rPr lang="en-US" altLang="zh-TW" dirty="0" smtClean="0">
+                <a:solidFill>
+                  <a:schemeClr val="accent1"/>
+                </a:solidFill>
+              </a:rPr>
+              <a:t>{</a:t>
+            </a:r>
+          </a:p>
+          <a:p>
+            <a:pPr marL="0" indent="0">
+              <a:buNone/>
+            </a:pPr>
+            <a:r>
+              <a:rPr lang="en-US" altLang="zh-TW" dirty="0" smtClean="0"/>
+              <a:t>	.box{</a:t>
+            </a:r>
+          </a:p>
+          <a:p>
+            <a:pPr marL="0" indent="0">
+              <a:buNone/>
+            </a:pPr>
+            <a:r>
+              <a:rPr lang="en-US" altLang="zh-TW" dirty="0"/>
+              <a:t>	</a:t>
+            </a:r>
+            <a:r>
+              <a:rPr lang="en-US" altLang="zh-TW" dirty="0" smtClean="0"/>
+              <a:t>	width:</a:t>
+            </a:r>
+            <a:r>
+              <a:rPr lang="zh-TW" altLang="en-US" dirty="0" smtClean="0">
+                <a:solidFill>
+                  <a:srgbClr val="FF0000"/>
+                </a:solidFill>
+              </a:rPr>
+              <a:t>變數</a:t>
+            </a:r>
+            <a:r>
+              <a:rPr lang="en-US" altLang="zh-TW" dirty="0" smtClean="0"/>
+              <a:t>;</a:t>
+            </a:r>
+          </a:p>
+          <a:p>
+            <a:pPr marL="0" indent="0">
+              <a:buNone/>
+            </a:pPr>
+            <a:r>
+              <a:rPr lang="en-US" altLang="zh-TW" dirty="0"/>
+              <a:t>	</a:t>
+            </a:r>
+            <a:r>
+              <a:rPr lang="en-US" altLang="zh-TW" dirty="0" smtClean="0"/>
+              <a:t>}</a:t>
+            </a:r>
+            <a:endParaRPr lang="en-US" altLang="zh-TW" dirty="0"/>
+          </a:p>
+          <a:p>
+            <a:pPr marL="0" indent="0">
+              <a:buNone/>
+            </a:pPr>
+            <a:r>
+              <a:rPr lang="en-US" altLang="zh-TW" dirty="0" smtClean="0">
+                <a:solidFill>
+                  <a:schemeClr val="accent1"/>
+                </a:solidFill>
+              </a:rPr>
+              <a:t>}</a:t>
+            </a:r>
+            <a:endParaRPr lang="zh-TW" altLang="en-US" dirty="0">
+              <a:solidFill>
+                <a:schemeClr val="accent1"/>
+              </a:solidFill>
+            </a:endParaRPr>
+          </a:p>
+        </p:txBody>
+      </p:sp>
+    </p:spTree>
+    <p:extLst>
+      <p:ext uri="{BB962C8B-B14F-4D97-AF65-F5344CB8AC3E}">
+        <p14:creationId xmlns:p14="http://schemas.microsoft.com/office/powerpoint/2010/main" val="1943820083"/>
+      </p:ext>
+    </p:extLst>
+  </p:cSld>
+  <p:clrMapOvr>
+    <a:masterClrMapping/>
+  </p:clrMapOvr>
+</p:sld>
+</file>
+
+<file path=ppt/slides/slide11.xml><?xml version="1.0" encoding="utf-8"?>
+<p:sld xmlns:a="http://schemas.openxmlformats.org/drawingml/2006/main" xmlns:r="http://schemas.openxmlformats.org/officeDocument/2006/relationships" xmlns:p="http://schemas.openxmlformats.org/presentationml/2006/main">
+  <p:cSld>
+    <p:spTree>
+      <p:nvGrpSpPr>
+        <p:cNvPr id="1" name=""/>
+        <p:cNvGrpSpPr/>
+        <p:nvPr/>
+      </p:nvGrpSpPr>
+      <p:grpSpPr>
+        <a:xfrm>
+          <a:off x="0" y="0"/>
+          <a:ext cx="0" cy="0"/>
+          <a:chOff x="0" y="0"/>
+          <a:chExt cx="0" cy="0"/>
+        </a:xfrm>
+      </p:grpSpPr>
+      <p:sp>
+        <p:nvSpPr>
+          <p:cNvPr id="2" name="標題 1"/>
+          <p:cNvSpPr>
+            <a:spLocks noGrp="1"/>
+          </p:cNvSpPr>
+          <p:nvPr>
+            <p:ph type="title"/>
+          </p:nvPr>
+        </p:nvSpPr>
+        <p:spPr/>
+        <p:txBody>
+          <a:bodyPr/>
+          <a:lstStyle/>
+          <a:p>
+            <a:r>
+              <a:rPr lang="en-US" altLang="zh-TW" dirty="0" smtClean="0"/>
+              <a:t>@for </a:t>
             </a:r>
             <a:r>
               <a:rPr lang="zh-TW" altLang="en-US" dirty="0" smtClean="0"/>
@@ -3339,7 +3548,7 @@
 </p:sld>
 </file>
 
-<file path=ppt/slides/slide11.xml><?xml version="1.0" encoding="utf-8"?>
+<file path=ppt/slides/slide12.xml><?xml version="1.0" encoding="utf-8"?>
 <p:sld xmlns:a="http://schemas.openxmlformats.org/drawingml/2006/main" xmlns:r="http://schemas.openxmlformats.org/officeDocument/2006/relationships" xmlns:p="http://schemas.openxmlformats.org/presentationml/2006/main">
   <p:cSld>
     <p:spTree>
@@ -3424,7 +3633,7 @@
 </p:sld>
 </file>
 
-<file path=ppt/slides/slide12.xml><?xml version="1.0" encoding="utf-8"?>
+<file path=ppt/slides/slide13.xml><?xml version="1.0" encoding="utf-8"?>
 <p:sld xmlns:a="http://schemas.openxmlformats.org/drawingml/2006/main" xmlns:r="http://schemas.openxmlformats.org/officeDocument/2006/relationships" xmlns:p="http://schemas.openxmlformats.org/presentationml/2006/main">
   <p:cSld>
     <p:spTree>
@@ -3566,21 +3775,8 @@
                   <a:schemeClr val="accent1"/>
                 </a:solidFill>
               </a:rPr>
-              <a:t>key : </a:t>
-            </a:r>
-            <a:r>
-              <a:rPr lang="en-US" altLang="zh-TW" dirty="0" smtClean="0">
-                <a:solidFill>
-                  <a:schemeClr val="accent1"/>
-                </a:solidFill>
-              </a:rPr>
-              <a:t>value</a:t>
-            </a:r>
-            <a:endParaRPr lang="en-US" altLang="zh-TW" dirty="0" smtClean="0">
-              <a:solidFill>
-                <a:schemeClr val="accent1"/>
-              </a:solidFill>
-            </a:endParaRPr>
+              <a:t>key : value</a:t>
+            </a:r>
           </a:p>
           <a:p>
             <a:pPr marL="0" indent="0">
@@ -3684,11 +3880,6 @@
               </a:rPr>
               <a:t>…</a:t>
             </a:r>
-            <a:endParaRPr lang="en-US" altLang="zh-TW" dirty="0" smtClean="0">
-              <a:solidFill>
-                <a:schemeClr val="accent1"/>
-              </a:solidFill>
-            </a:endParaRPr>
           </a:p>
           <a:p>
             <a:pPr marL="0" indent="0">
@@ -3723,7 +3914,7 @@
 </p:sld>
 </file>
 
-<file path=ppt/slides/slide13.xml><?xml version="1.0" encoding="utf-8"?>
+<file path=ppt/slides/slide14.xml><?xml version="1.0" encoding="utf-8"?>
 <p:sld xmlns:a="http://schemas.openxmlformats.org/drawingml/2006/main" xmlns:r="http://schemas.openxmlformats.org/officeDocument/2006/relationships" xmlns:p="http://schemas.openxmlformats.org/presentationml/2006/main">
   <p:cSld>
     <p:spTree>
@@ -3805,7 +3996,7 @@
 </p:sld>
 </file>
 
-<file path=ppt/slides/slide14.xml><?xml version="1.0" encoding="utf-8"?>
+<file path=ppt/slides/slide15.xml><?xml version="1.0" encoding="utf-8"?>
 <p:sld xmlns:a="http://schemas.openxmlformats.org/drawingml/2006/main" xmlns:r="http://schemas.openxmlformats.org/officeDocument/2006/relationships" xmlns:p="http://schemas.openxmlformats.org/presentationml/2006/main">
   <p:cSld>
     <p:spTree>
@@ -3921,39 +4112,31 @@
           <a:lstStyle/>
           <a:p>
             <a:r>
+              <a:rPr lang="zh-TW" altLang="en-US" dirty="0"/>
+              <a:t>課程建議</a:t>
+            </a:r>
+            <a:endParaRPr lang="zh-TW" altLang="en-US" dirty="0"/>
+          </a:p>
+        </p:txBody>
+      </p:sp>
+      <p:sp>
+        <p:nvSpPr>
+          <p:cNvPr id="3" name="內容版面配置區 2"/>
+          <p:cNvSpPr>
+            <a:spLocks noGrp="1"/>
+          </p:cNvSpPr>
+          <p:nvPr>
+            <p:ph idx="1"/>
+          </p:nvPr>
+        </p:nvSpPr>
+        <p:spPr/>
+        <p:txBody>
+          <a:bodyPr/>
+          <a:lstStyle/>
+          <a:p>
+            <a:r>
               <a:rPr lang="zh-TW" altLang="en-US" dirty="0" smtClean="0"/>
-              <a:t>什麼是</a:t>
-            </a:r>
-            <a:r>
-              <a:rPr lang="en-US" altLang="zh-TW" dirty="0" smtClean="0"/>
-              <a:t>SASS?</a:t>
-            </a:r>
-            <a:endParaRPr lang="zh-TW" altLang="en-US" dirty="0"/>
-          </a:p>
-        </p:txBody>
-      </p:sp>
-      <p:sp>
-        <p:nvSpPr>
-          <p:cNvPr id="3" name="內容版面配置區 2"/>
-          <p:cNvSpPr>
-            <a:spLocks noGrp="1"/>
-          </p:cNvSpPr>
-          <p:nvPr>
-            <p:ph idx="1"/>
-          </p:nvPr>
-        </p:nvSpPr>
-        <p:spPr/>
-        <p:txBody>
-          <a:bodyPr/>
-          <a:lstStyle/>
-          <a:p>
-            <a:r>
-              <a:rPr lang="en-US" altLang="zh-TW" dirty="0" smtClean="0"/>
-              <a:t>CSS:</a:t>
-            </a:r>
-            <a:r>
-              <a:rPr lang="zh-TW" altLang="en-US" dirty="0" smtClean="0"/>
-              <a:t>用來美化</a:t>
+              <a:t>需會一點</a:t>
             </a:r>
             <a:r>
               <a:rPr lang="en-US" altLang="zh-TW" dirty="0" smtClean="0"/>
@@ -3961,58 +4144,7 @@
             </a:r>
             <a:r>
               <a:rPr lang="zh-TW" altLang="en-US" dirty="0" smtClean="0"/>
-              <a:t>的工具</a:t>
-            </a:r>
-            <a:endParaRPr lang="en-US" altLang="zh-TW" dirty="0" smtClean="0"/>
-          </a:p>
-          <a:p>
-            <a:r>
-              <a:rPr lang="en-US" altLang="zh-TW" dirty="0" smtClean="0"/>
-              <a:t>SASS</a:t>
-            </a:r>
-            <a:r>
-              <a:rPr lang="zh-TW" altLang="en-US" dirty="0" smtClean="0"/>
-              <a:t> </a:t>
-            </a:r>
-            <a:r>
-              <a:rPr lang="en-US" altLang="zh-TW" dirty="0" smtClean="0"/>
-              <a:t>:</a:t>
-            </a:r>
-            <a:r>
-              <a:rPr lang="zh-TW" altLang="en-US" dirty="0" smtClean="0"/>
-              <a:t> 以程式的方式來撰寫</a:t>
-            </a:r>
-            <a:r>
-              <a:rPr lang="en-US" altLang="zh-TW" dirty="0" smtClean="0"/>
-              <a:t>CSS</a:t>
-            </a:r>
-          </a:p>
-          <a:p>
-            <a:r>
-              <a:rPr lang="zh-TW" altLang="en-US" dirty="0" smtClean="0"/>
-              <a:t>早期為</a:t>
-            </a:r>
-            <a:r>
-              <a:rPr lang="en-US" altLang="zh-TW" dirty="0" smtClean="0"/>
-              <a:t>SASS</a:t>
-            </a:r>
-            <a:r>
-              <a:rPr lang="zh-TW" altLang="en-US" dirty="0" smtClean="0"/>
-              <a:t>，較新的語法為</a:t>
-            </a:r>
-            <a:r>
-              <a:rPr lang="en-US" altLang="zh-TW" dirty="0" smtClean="0"/>
-              <a:t>SCSS</a:t>
-            </a:r>
-          </a:p>
-          <a:p>
-            <a:r>
-              <a:rPr lang="en-US" altLang="zh-TW" dirty="0" smtClean="0"/>
-              <a:t>SCSS</a:t>
-            </a:r>
-            <a:r>
-              <a:rPr lang="zh-TW" altLang="en-US" dirty="0" smtClean="0"/>
-              <a:t> 完全相容於</a:t>
+              <a:t>與</a:t>
             </a:r>
             <a:r>
               <a:rPr lang="en-US" altLang="zh-TW" dirty="0" smtClean="0"/>
@@ -4025,7 +4157,7 @@
     </p:spTree>
     <p:extLst>
       <p:ext uri="{BB962C8B-B14F-4D97-AF65-F5344CB8AC3E}">
-        <p14:creationId xmlns:p14="http://schemas.microsoft.com/office/powerpoint/2010/main" val="2624285410"/>
+        <p14:creationId xmlns:p14="http://schemas.microsoft.com/office/powerpoint/2010/main" val="1540515506"/>
       </p:ext>
     </p:extLst>
   </p:cSld>
@@ -4069,99 +4201,110 @@
           <a:p>
             <a:r>
               <a:rPr lang="zh-TW" altLang="en-US" dirty="0" smtClean="0"/>
-              <a:t>環境安裝</a:t>
+              <a:t>什麼是</a:t>
+            </a:r>
+            <a:r>
+              <a:rPr lang="en-US" altLang="zh-TW" dirty="0" smtClean="0"/>
+              <a:t>SASS?</a:t>
             </a:r>
             <a:endParaRPr lang="zh-TW" altLang="en-US" dirty="0"/>
           </a:p>
         </p:txBody>
       </p:sp>
-      <p:pic>
-        <p:nvPicPr>
-          <p:cNvPr id="4" name="內容版面配置區 3"/>
-          <p:cNvPicPr>
-            <a:picLocks noGrp="1" noChangeAspect="1"/>
-          </p:cNvPicPr>
+      <p:sp>
+        <p:nvSpPr>
+          <p:cNvPr id="3" name="內容版面配置區 2"/>
+          <p:cNvSpPr>
+            <a:spLocks noGrp="1"/>
+          </p:cNvSpPr>
           <p:nvPr>
             <p:ph idx="1"/>
           </p:nvPr>
-        </p:nvPicPr>
-        <p:blipFill>
-          <a:blip r:embed="rId2">
-            <a:extLst>
-              <a:ext uri="{28A0092B-C50C-407E-A947-70E740481C1C}">
-                <a14:useLocalDpi xmlns:a14="http://schemas.microsoft.com/office/drawing/2010/main" val="0"/>
-              </a:ext>
-            </a:extLst>
-          </a:blip>
-          <a:stretch>
-            <a:fillRect/>
-          </a:stretch>
-        </p:blipFill>
-        <p:spPr>
-          <a:xfrm>
-            <a:off x="4025595" y="2163953"/>
-            <a:ext cx="7328205" cy="4351338"/>
-          </a:xfrm>
-        </p:spPr>
-      </p:pic>
-      <p:sp>
-        <p:nvSpPr>
-          <p:cNvPr id="5" name="文字方塊 4"/>
-          <p:cNvSpPr txBox="1"/>
-          <p:nvPr/>
-        </p:nvSpPr>
-        <p:spPr>
-          <a:xfrm>
-            <a:off x="1225296" y="1517622"/>
-            <a:ext cx="7498080" cy="461665"/>
-          </a:xfrm>
-          <a:prstGeom prst="rect">
-            <a:avLst/>
-          </a:prstGeom>
-          <a:noFill/>
-        </p:spPr>
-        <p:txBody>
-          <a:bodyPr wrap="square" rtlCol="0">
-            <a:spAutoFit/>
-          </a:bodyPr>
-          <a:lstStyle/>
-          <a:p>
-            <a:r>
-              <a:rPr lang="zh-TW" altLang="en-US" sz="2400" dirty="0" smtClean="0"/>
-              <a:t>於</a:t>
-            </a:r>
-            <a:r>
-              <a:rPr lang="en-US" altLang="zh-TW" sz="2400" dirty="0" err="1" smtClean="0"/>
-              <a:t>VScode</a:t>
-            </a:r>
-            <a:r>
-              <a:rPr lang="zh-TW" altLang="en-US" sz="2400" dirty="0" smtClean="0"/>
-              <a:t>搜尋</a:t>
-            </a:r>
-            <a:r>
-              <a:rPr lang="en-US" altLang="zh-TW" sz="2400" dirty="0" smtClean="0"/>
+        </p:nvSpPr>
+        <p:spPr/>
+        <p:txBody>
+          <a:bodyPr/>
+          <a:lstStyle/>
+          <a:p>
+            <a:r>
+              <a:rPr lang="en-US" altLang="zh-TW" dirty="0" smtClean="0"/>
+              <a:t>CSS:</a:t>
+            </a:r>
+            <a:r>
+              <a:rPr lang="zh-TW" altLang="en-US" dirty="0" smtClean="0"/>
+              <a:t>用來美化</a:t>
+            </a:r>
+            <a:r>
+              <a:rPr lang="en-US" altLang="zh-TW" dirty="0" smtClean="0"/>
+              <a:t>HTML</a:t>
+            </a:r>
+            <a:r>
+              <a:rPr lang="zh-TW" altLang="en-US" dirty="0" smtClean="0"/>
+              <a:t>的工具</a:t>
+            </a:r>
+            <a:endParaRPr lang="en-US" altLang="zh-TW" dirty="0" smtClean="0"/>
+          </a:p>
+          <a:p>
+            <a:r>
+              <a:rPr lang="en-US" altLang="zh-TW" dirty="0" smtClean="0"/>
+              <a:t>SASS</a:t>
+            </a:r>
+            <a:r>
+              <a:rPr lang="zh-TW" altLang="en-US" dirty="0" smtClean="0"/>
+              <a:t> </a:t>
+            </a:r>
+            <a:r>
+              <a:rPr lang="en-US" altLang="zh-TW" dirty="0" smtClean="0"/>
               <a:t>:</a:t>
             </a:r>
             <a:r>
-              <a:rPr lang="zh-TW" altLang="en-US" sz="2400" dirty="0" smtClean="0"/>
-              <a:t> </a:t>
-            </a:r>
-            <a:r>
-              <a:rPr lang="en-US" altLang="zh-TW" sz="2400" dirty="0"/>
-              <a:t>L</a:t>
-            </a:r>
-            <a:r>
-              <a:rPr lang="en-US" altLang="zh-TW" sz="2400" dirty="0" smtClean="0"/>
-              <a:t>ive Sass Compiler</a:t>
-            </a:r>
-            <a:endParaRPr lang="zh-TW" altLang="en-US" sz="2400" dirty="0"/>
+              <a:rPr lang="zh-TW" altLang="en-US" dirty="0" smtClean="0"/>
+              <a:t> 以程式的方式來撰寫</a:t>
+            </a:r>
+            <a:r>
+              <a:rPr lang="en-US" altLang="zh-TW" dirty="0" smtClean="0"/>
+              <a:t>CSS</a:t>
+            </a:r>
+          </a:p>
+          <a:p>
+            <a:r>
+              <a:rPr lang="zh-TW" altLang="en-US" dirty="0" smtClean="0"/>
+              <a:t>早期為</a:t>
+            </a:r>
+            <a:r>
+              <a:rPr lang="en-US" altLang="zh-TW" dirty="0" smtClean="0"/>
+              <a:t>SASS</a:t>
+            </a:r>
+            <a:r>
+              <a:rPr lang="zh-TW" altLang="en-US" dirty="0" smtClean="0"/>
+              <a:t>，較新的語法為</a:t>
+            </a:r>
+            <a:r>
+              <a:rPr lang="en-US" altLang="zh-TW" dirty="0" smtClean="0"/>
+              <a:t>SCSS</a:t>
+            </a:r>
+          </a:p>
+          <a:p>
+            <a:r>
+              <a:rPr lang="en-US" altLang="zh-TW" dirty="0" smtClean="0"/>
+              <a:t>SCSS</a:t>
+            </a:r>
+            <a:r>
+              <a:rPr lang="zh-TW" altLang="en-US" dirty="0" smtClean="0"/>
+              <a:t> 完全相容於</a:t>
+            </a:r>
+            <a:r>
+              <a:rPr lang="en-US" altLang="zh-TW" dirty="0" smtClean="0"/>
+              <a:t>CSS</a:t>
+            </a:r>
+            <a:endParaRPr lang="zh-TW" altLang="en-US" dirty="0"/>
           </a:p>
         </p:txBody>
       </p:sp>
     </p:spTree>
     <p:extLst>
       <p:ext uri="{BB962C8B-B14F-4D97-AF65-F5344CB8AC3E}">
-        <p14:creationId xmlns:p14="http://schemas.microsoft.com/office/powerpoint/2010/main" val="2046592220"/>
+        <p14:creationId xmlns:p14="http://schemas.microsoft.com/office/powerpoint/2010/main" val="2624285410"/>
       </p:ext>
     </p:extLst>
   </p:cSld>
@@ -4205,6 +4348,142 @@
           <a:p>
             <a:r>
               <a:rPr lang="zh-TW" altLang="en-US" dirty="0" smtClean="0"/>
+              <a:t>環境安裝</a:t>
+            </a:r>
+            <a:endParaRPr lang="zh-TW" altLang="en-US" dirty="0"/>
+          </a:p>
+        </p:txBody>
+      </p:sp>
+      <p:pic>
+        <p:nvPicPr>
+          <p:cNvPr id="4" name="內容版面配置區 3"/>
+          <p:cNvPicPr>
+            <a:picLocks noGrp="1" noChangeAspect="1"/>
+          </p:cNvPicPr>
+          <p:nvPr>
+            <p:ph idx="1"/>
+          </p:nvPr>
+        </p:nvPicPr>
+        <p:blipFill>
+          <a:blip r:embed="rId2">
+            <a:extLst>
+              <a:ext uri="{28A0092B-C50C-407E-A947-70E740481C1C}">
+                <a14:useLocalDpi xmlns:a14="http://schemas.microsoft.com/office/drawing/2010/main" val="0"/>
+              </a:ext>
+            </a:extLst>
+          </a:blip>
+          <a:stretch>
+            <a:fillRect/>
+          </a:stretch>
+        </p:blipFill>
+        <p:spPr>
+          <a:xfrm>
+            <a:off x="4025595" y="2163953"/>
+            <a:ext cx="7328205" cy="4351338"/>
+          </a:xfrm>
+        </p:spPr>
+      </p:pic>
+      <p:sp>
+        <p:nvSpPr>
+          <p:cNvPr id="5" name="文字方塊 4"/>
+          <p:cNvSpPr txBox="1"/>
+          <p:nvPr/>
+        </p:nvSpPr>
+        <p:spPr>
+          <a:xfrm>
+            <a:off x="1225296" y="1517622"/>
+            <a:ext cx="7498080" cy="461665"/>
+          </a:xfrm>
+          <a:prstGeom prst="rect">
+            <a:avLst/>
+          </a:prstGeom>
+          <a:noFill/>
+        </p:spPr>
+        <p:txBody>
+          <a:bodyPr wrap="square" rtlCol="0">
+            <a:spAutoFit/>
+          </a:bodyPr>
+          <a:lstStyle/>
+          <a:p>
+            <a:r>
+              <a:rPr lang="zh-TW" altLang="en-US" sz="2400" dirty="0" smtClean="0"/>
+              <a:t>於</a:t>
+            </a:r>
+            <a:r>
+              <a:rPr lang="en-US" altLang="zh-TW" sz="2400" dirty="0" err="1" smtClean="0"/>
+              <a:t>VScode</a:t>
+            </a:r>
+            <a:r>
+              <a:rPr lang="zh-TW" altLang="en-US" sz="2400" dirty="0" smtClean="0"/>
+              <a:t>搜尋</a:t>
+            </a:r>
+            <a:r>
+              <a:rPr lang="en-US" altLang="zh-TW" sz="2400" dirty="0" smtClean="0"/>
+              <a:t>:</a:t>
+            </a:r>
+            <a:r>
+              <a:rPr lang="zh-TW" altLang="en-US" sz="2400" dirty="0" smtClean="0"/>
+              <a:t> </a:t>
+            </a:r>
+            <a:r>
+              <a:rPr lang="en-US" altLang="zh-TW" sz="2400" dirty="0"/>
+              <a:t>L</a:t>
+            </a:r>
+            <a:r>
+              <a:rPr lang="en-US" altLang="zh-TW" sz="2400" dirty="0" smtClean="0"/>
+              <a:t>ive Sass Compiler</a:t>
+            </a:r>
+            <a:endParaRPr lang="zh-TW" altLang="en-US" sz="2400" dirty="0"/>
+          </a:p>
+        </p:txBody>
+      </p:sp>
+    </p:spTree>
+    <p:extLst>
+      <p:ext uri="{BB962C8B-B14F-4D97-AF65-F5344CB8AC3E}">
+        <p14:creationId xmlns:p14="http://schemas.microsoft.com/office/powerpoint/2010/main" val="2046592220"/>
+      </p:ext>
+    </p:extLst>
+  </p:cSld>
+  <p:clrMapOvr>
+    <a:masterClrMapping/>
+  </p:clrMapOvr>
+</p:sld>
+</file>
+
+<file path=ppt/slides/slide5.xml><?xml version="1.0" encoding="utf-8"?>
+<p:sld xmlns:a="http://schemas.openxmlformats.org/drawingml/2006/main" xmlns:r="http://schemas.openxmlformats.org/officeDocument/2006/relationships" xmlns:p="http://schemas.openxmlformats.org/presentationml/2006/main">
+  <p:cSld>
+    <p:spTree>
+      <p:nvGrpSpPr>
+        <p:cNvPr id="1" name=""/>
+        <p:cNvGrpSpPr/>
+        <p:nvPr/>
+      </p:nvGrpSpPr>
+      <p:grpSpPr>
+        <a:xfrm>
+          <a:off x="0" y="0"/>
+          <a:ext cx="0" cy="0"/>
+          <a:chOff x="0" y="0"/>
+          <a:chExt cx="0" cy="0"/>
+        </a:xfrm>
+      </p:grpSpPr>
+      <p:sp>
+        <p:nvSpPr>
+          <p:cNvPr id="2" name="標題 1"/>
+          <p:cNvSpPr>
+            <a:spLocks noGrp="1"/>
+          </p:cNvSpPr>
+          <p:nvPr>
+            <p:ph type="title"/>
+          </p:nvPr>
+        </p:nvSpPr>
+        <p:spPr/>
+        <p:txBody>
+          <a:bodyPr/>
+          <a:lstStyle/>
+          <a:p>
+            <a:r>
+              <a:rPr lang="zh-TW" altLang="en-US" dirty="0" smtClean="0"/>
               <a:t>變數</a:t>
             </a:r>
             <a:r>
@@ -4307,7 +4586,7 @@
 </p:sld>
 </file>
 
-<file path=ppt/slides/slide5.xml><?xml version="1.0" encoding="utf-8"?>
+<file path=ppt/slides/slide6.xml><?xml version="1.0" encoding="utf-8"?>
 <p:sld xmlns:a="http://schemas.openxmlformats.org/drawingml/2006/main" xmlns:r="http://schemas.openxmlformats.org/officeDocument/2006/relationships" xmlns:p="http://schemas.openxmlformats.org/presentationml/2006/main">
   <p:cSld>
     <p:spTree>
@@ -4669,7 +4948,7 @@
 </p:sld>
 </file>
 
-<file path=ppt/slides/slide6.xml><?xml version="1.0" encoding="utf-8"?>
+<file path=ppt/slides/slide7.xml><?xml version="1.0" encoding="utf-8"?>
 <p:sld xmlns:a="http://schemas.openxmlformats.org/drawingml/2006/main" xmlns:r="http://schemas.openxmlformats.org/officeDocument/2006/relationships" xmlns:p="http://schemas.openxmlformats.org/presentationml/2006/main">
   <p:cSld>
     <p:spTree>
@@ -4811,7 +5090,7 @@
 </p:sld>
 </file>
 
-<file path=ppt/slides/slide7.xml><?xml version="1.0" encoding="utf-8"?>
+<file path=ppt/slides/slide8.xml><?xml version="1.0" encoding="utf-8"?>
 <p:sld xmlns:a="http://schemas.openxmlformats.org/drawingml/2006/main" xmlns:r="http://schemas.openxmlformats.org/officeDocument/2006/relationships" xmlns:p="http://schemas.openxmlformats.org/presentationml/2006/main">
   <p:cSld>
     <p:spTree>
@@ -4893,155 +5172,6 @@
 </p:sld>
 </file>
 
-<file path=ppt/slides/slide8.xml><?xml version="1.0" encoding="utf-8"?>
-<p:sld xmlns:a="http://schemas.openxmlformats.org/drawingml/2006/main" xmlns:r="http://schemas.openxmlformats.org/officeDocument/2006/relationships" xmlns:p="http://schemas.openxmlformats.org/presentationml/2006/main">
-  <p:cSld>
-    <p:spTree>
-      <p:nvGrpSpPr>
-        <p:cNvPr id="1" name=""/>
-        <p:cNvGrpSpPr/>
-        <p:nvPr/>
-      </p:nvGrpSpPr>
-      <p:grpSpPr>
-        <a:xfrm>
-          <a:off x="0" y="0"/>
-          <a:ext cx="0" cy="0"/>
-          <a:chOff x="0" y="0"/>
-          <a:chExt cx="0" cy="0"/>
-        </a:xfrm>
-      </p:grpSpPr>
-      <p:sp>
-        <p:nvSpPr>
-          <p:cNvPr id="2" name="標題 1"/>
-          <p:cNvSpPr>
-            <a:spLocks noGrp="1"/>
-          </p:cNvSpPr>
-          <p:nvPr>
-            <p:ph type="title"/>
-          </p:nvPr>
-        </p:nvSpPr>
-        <p:spPr/>
-        <p:txBody>
-          <a:bodyPr/>
-          <a:lstStyle/>
-          <a:p>
-            <a:r>
-              <a:rPr lang="zh-TW" altLang="en-US" dirty="0" smtClean="0"/>
-              <a:t>匯入 </a:t>
-            </a:r>
-            <a:r>
-              <a:rPr lang="en-US" altLang="zh-TW" dirty="0" smtClean="0"/>
-              <a:t>@import</a:t>
-            </a:r>
-            <a:endParaRPr lang="zh-TW" altLang="en-US" dirty="0"/>
-          </a:p>
-        </p:txBody>
-      </p:sp>
-      <p:sp>
-        <p:nvSpPr>
-          <p:cNvPr id="3" name="內容版面配置區 2"/>
-          <p:cNvSpPr>
-            <a:spLocks noGrp="1"/>
-          </p:cNvSpPr>
-          <p:nvPr>
-            <p:ph idx="1"/>
-          </p:nvPr>
-        </p:nvSpPr>
-        <p:spPr/>
-        <p:txBody>
-          <a:bodyPr/>
-          <a:lstStyle/>
-          <a:p>
-            <a:r>
-              <a:rPr lang="zh-TW" altLang="en-US" dirty="0" smtClean="0"/>
-              <a:t>建立一個模組檔案 </a:t>
-            </a:r>
-            <a:r>
-              <a:rPr lang="en-US" altLang="zh-TW" dirty="0" smtClean="0"/>
-              <a:t>_</a:t>
-            </a:r>
-            <a:r>
-              <a:rPr lang="en-US" altLang="zh-TW" dirty="0" err="1" smtClean="0"/>
-              <a:t>reset.scss</a:t>
-            </a:r>
-            <a:endParaRPr lang="en-US" altLang="zh-TW" dirty="0" smtClean="0"/>
-          </a:p>
-          <a:p>
-            <a:r>
-              <a:rPr lang="zh-TW" altLang="en-US" dirty="0"/>
-              <a:t>檔案前面</a:t>
-            </a:r>
-            <a:r>
-              <a:rPr lang="zh-TW" altLang="en-US" dirty="0" smtClean="0"/>
-              <a:t>加底線將不會自動編譯為</a:t>
-            </a:r>
-            <a:r>
-              <a:rPr lang="en-US" altLang="zh-TW" dirty="0" smtClean="0"/>
-              <a:t>CSS</a:t>
-            </a:r>
-            <a:r>
-              <a:rPr lang="zh-TW" altLang="en-US" dirty="0" smtClean="0"/>
-              <a:t>檔案</a:t>
-            </a:r>
-            <a:endParaRPr lang="en-US" altLang="zh-TW" dirty="0" smtClean="0"/>
-          </a:p>
-          <a:p>
-            <a:endParaRPr lang="en-US" altLang="zh-TW" dirty="0"/>
-          </a:p>
-          <a:p>
-            <a:r>
-              <a:rPr lang="zh-TW" altLang="en-US" dirty="0" smtClean="0"/>
-              <a:t>使用模組</a:t>
-            </a:r>
-            <a:r>
-              <a:rPr lang="en-US" altLang="zh-TW" dirty="0" smtClean="0"/>
-              <a:t>:</a:t>
-            </a:r>
-          </a:p>
-          <a:p>
-            <a:r>
-              <a:rPr lang="en-US" altLang="zh-TW" dirty="0" smtClean="0"/>
-              <a:t>@import “reset”;</a:t>
-            </a:r>
-          </a:p>
-          <a:p>
-            <a:r>
-              <a:rPr lang="en-US" altLang="zh-TW" dirty="0" smtClean="0"/>
-              <a:t>*</a:t>
-            </a:r>
-            <a:r>
-              <a:rPr lang="zh-TW" altLang="en-US" dirty="0" smtClean="0"/>
-              <a:t>注意</a:t>
-            </a:r>
-            <a:r>
-              <a:rPr lang="zh-TW" altLang="en-US" dirty="0"/>
-              <a:t> </a:t>
-            </a:r>
-            <a:r>
-              <a:rPr lang="en-US" altLang="zh-TW" dirty="0" smtClean="0"/>
-              <a:t>!</a:t>
-            </a:r>
-            <a:r>
-              <a:rPr lang="zh-TW" altLang="en-US" dirty="0" smtClean="0"/>
-              <a:t> 載入檔案不需要加底線與副檔名</a:t>
-            </a:r>
-            <a:endParaRPr lang="zh-TW" altLang="en-US" dirty="0"/>
-          </a:p>
-        </p:txBody>
-      </p:sp>
-    </p:spTree>
-    <p:extLst>
-      <p:ext uri="{BB962C8B-B14F-4D97-AF65-F5344CB8AC3E}">
-        <p14:creationId xmlns:p14="http://schemas.microsoft.com/office/powerpoint/2010/main" val="4175319011"/>
-      </p:ext>
-    </p:extLst>
-  </p:cSld>
-  <p:clrMapOvr>
-    <a:masterClrMapping/>
-  </p:clrMapOvr>
-</p:sld>
-</file>
-
 <file path=ppt/slides/slide9.xml><?xml version="1.0" encoding="utf-8"?>
 <p:sld xmlns:a="http://schemas.openxmlformats.org/drawingml/2006/main" xmlns:r="http://schemas.openxmlformats.org/officeDocument/2006/relationships" xmlns:p="http://schemas.openxmlformats.org/presentationml/2006/main">
   <p:cSld>
@@ -5075,8 +5205,12 @@
           <a:lstStyle/>
           <a:p>
             <a:r>
+              <a:rPr lang="zh-TW" altLang="en-US" dirty="0" smtClean="0"/>
+              <a:t>匯入 </a:t>
+            </a:r>
+            <a:r>
               <a:rPr lang="en-US" altLang="zh-TW" dirty="0" smtClean="0"/>
-              <a:t>@for</a:t>
+              <a:t>@import</a:t>
             </a:r>
             <a:endParaRPr lang="zh-TW" altLang="en-US" dirty="0"/>
           </a:p>
@@ -5097,154 +5231,95 @@
           <a:bodyPr/>
           <a:lstStyle/>
           <a:p>
-            <a:pPr marL="0" indent="0">
-              <a:buNone/>
-            </a:pPr>
+            <a:r>
+              <a:rPr lang="zh-TW" altLang="en-US" dirty="0" smtClean="0"/>
+              <a:t>建立一個模組檔案 </a:t>
+            </a:r>
+            <a:r>
+              <a:rPr lang="en-US" altLang="zh-TW" dirty="0" smtClean="0"/>
+              <a:t>_</a:t>
+            </a:r>
+            <a:r>
+              <a:rPr lang="en-US" altLang="zh-TW" dirty="0" err="1" smtClean="0"/>
+              <a:t>reset.scss</a:t>
+            </a:r>
+            <a:endParaRPr lang="en-US" altLang="zh-TW" dirty="0" smtClean="0"/>
+          </a:p>
+          <a:p>
+            <a:r>
+              <a:rPr lang="zh-TW" altLang="en-US" dirty="0"/>
+              <a:t>檔案前面</a:t>
+            </a:r>
+            <a:r>
+              <a:rPr lang="zh-TW" altLang="en-US" dirty="0" smtClean="0"/>
+              <a:t>加底線將不會自動編譯為</a:t>
+            </a:r>
+            <a:r>
+              <a:rPr lang="en-US" altLang="zh-TW" dirty="0" smtClean="0"/>
+              <a:t>CSS</a:t>
+            </a:r>
+            <a:r>
+              <a:rPr lang="zh-TW" altLang="en-US" dirty="0" smtClean="0"/>
+              <a:t>檔案</a:t>
+            </a:r>
+            <a:endParaRPr lang="en-US" altLang="zh-TW" dirty="0" smtClean="0"/>
+          </a:p>
+          <a:p>
+            <a:endParaRPr lang="en-US" altLang="zh-TW" dirty="0"/>
+          </a:p>
+          <a:p>
+            <a:r>
+              <a:rPr lang="zh-TW" altLang="en-US" dirty="0" smtClean="0"/>
+              <a:t>使用模組</a:t>
+            </a:r>
+            <a:r>
+              <a:rPr lang="en-US" altLang="zh-TW" dirty="0" smtClean="0"/>
+              <a:t>:</a:t>
+            </a:r>
+          </a:p>
+          <a:p>
             <a:r>
               <a:rPr lang="en-US" altLang="zh-TW" dirty="0" smtClean="0">
                 <a:solidFill>
-                  <a:schemeClr val="accent1"/>
+                  <a:srgbClr val="FF0000"/>
                 </a:solidFill>
               </a:rPr>
-              <a:t>@for </a:t>
-            </a:r>
-            <a:r>
-              <a:rPr lang="zh-TW" altLang="en-US" dirty="0" smtClean="0">
-                <a:solidFill>
-                  <a:srgbClr val="FF0000"/>
-                </a:solidFill>
-              </a:rPr>
-              <a:t>變數</a:t>
+              <a:t>@import </a:t>
+            </a:r>
+            <a:r>
+              <a:rPr lang="en-US" altLang="zh-TW" dirty="0" smtClean="0"/>
+              <a:t>“reset”;</a:t>
+            </a:r>
+          </a:p>
+          <a:p>
+            <a:r>
+              <a:rPr lang="en-US" altLang="zh-TW" dirty="0" smtClean="0"/>
+              <a:t>*</a:t>
             </a:r>
             <a:r>
               <a:rPr lang="zh-TW" altLang="en-US" dirty="0" smtClean="0"/>
+              <a:t>注意</a:t>
+            </a:r>
+            <a:r>
+              <a:rPr lang="zh-TW" altLang="en-US" dirty="0"/>
               <a:t> </a:t>
             </a:r>
             <a:r>
-              <a:rPr lang="en-US" altLang="zh-TW" dirty="0" smtClean="0">
-                <a:solidFill>
-                  <a:schemeClr val="accent1"/>
-                </a:solidFill>
-              </a:rPr>
-              <a:t>from</a:t>
-            </a:r>
-            <a:r>
               <a:rPr lang="en-US" altLang="zh-TW" dirty="0" smtClean="0"/>
-              <a:t> </a:t>
-            </a:r>
-            <a:r>
-              <a:rPr lang="zh-TW" altLang="en-US" dirty="0" smtClean="0">
-                <a:solidFill>
-                  <a:srgbClr val="FF0000"/>
-                </a:solidFill>
-              </a:rPr>
-              <a:t>初始值</a:t>
+              <a:t>!</a:t>
             </a:r>
             <a:r>
               <a:rPr lang="zh-TW" altLang="en-US" dirty="0" smtClean="0"/>
-              <a:t> </a:t>
-            </a:r>
-            <a:r>
-              <a:rPr lang="en-US" altLang="zh-TW" dirty="0" smtClean="0">
-                <a:solidFill>
-                  <a:schemeClr val="accent1"/>
-                </a:solidFill>
-              </a:rPr>
-              <a:t>through</a:t>
-            </a:r>
-            <a:r>
-              <a:rPr lang="en-US" altLang="zh-TW" dirty="0" smtClean="0"/>
-              <a:t> </a:t>
-            </a:r>
-            <a:r>
-              <a:rPr lang="zh-TW" altLang="en-US" dirty="0" smtClean="0">
-                <a:solidFill>
-                  <a:srgbClr val="FF0000"/>
-                </a:solidFill>
-              </a:rPr>
-              <a:t>終止值</a:t>
-            </a:r>
-            <a:r>
-              <a:rPr lang="en-US" altLang="zh-TW" dirty="0" smtClean="0">
-                <a:solidFill>
-                  <a:schemeClr val="accent1"/>
-                </a:solidFill>
-              </a:rPr>
-              <a:t>{</a:t>
-            </a:r>
-          </a:p>
-          <a:p>
-            <a:pPr marL="0" indent="0">
-              <a:buNone/>
-            </a:pPr>
-            <a:r>
-              <a:rPr lang="en-US" altLang="zh-TW" dirty="0" smtClean="0"/>
-              <a:t>	.box{</a:t>
-            </a:r>
-          </a:p>
-          <a:p>
-            <a:pPr marL="0" indent="0">
-              <a:buNone/>
-            </a:pPr>
-            <a:r>
-              <a:rPr lang="en-US" altLang="zh-TW" dirty="0"/>
-              <a:t>	</a:t>
-            </a:r>
-            <a:r>
-              <a:rPr lang="en-US" altLang="zh-TW" dirty="0" smtClean="0"/>
-              <a:t>	width:</a:t>
-            </a:r>
-            <a:r>
-              <a:rPr lang="zh-TW" altLang="en-US" dirty="0" smtClean="0">
-                <a:solidFill>
-                  <a:srgbClr val="FF0000"/>
-                </a:solidFill>
-              </a:rPr>
-              <a:t>變數</a:t>
-            </a:r>
-            <a:r>
-              <a:rPr lang="en-US" altLang="zh-TW" dirty="0" smtClean="0"/>
-              <a:t>;</a:t>
-            </a:r>
-          </a:p>
-          <a:p>
-            <a:pPr marL="0" indent="0">
-              <a:buNone/>
-            </a:pPr>
-            <a:r>
-              <a:rPr lang="en-US" altLang="zh-TW" dirty="0"/>
-              <a:t>	</a:t>
-            </a:r>
-            <a:r>
-              <a:rPr lang="en-US" altLang="zh-TW" dirty="0" smtClean="0"/>
-              <a:t>}</a:t>
-            </a:r>
-            <a:endParaRPr lang="en-US" altLang="zh-TW" dirty="0"/>
-          </a:p>
-          <a:p>
-            <a:pPr marL="0" indent="0">
-              <a:buNone/>
-            </a:pPr>
-            <a:r>
-              <a:rPr lang="en-US" altLang="zh-TW" dirty="0" smtClean="0">
-                <a:solidFill>
-                  <a:schemeClr val="accent1"/>
-                </a:solidFill>
-              </a:rPr>
-              <a:t>}</a:t>
-            </a:r>
-            <a:endParaRPr lang="zh-TW" altLang="en-US" dirty="0">
-              <a:solidFill>
-                <a:schemeClr val="accent1"/>
-              </a:solidFill>
-            </a:endParaRPr>
+              <a:t> 載入檔案不需要加底線與副檔名</a:t>
+            </a:r>
+            <a:endParaRPr lang="zh-TW" altLang="en-US" dirty="0"/>
           </a:p>
         </p:txBody>
       </p:sp>
     </p:spTree>
     <p:extLst>
       <p:ext uri="{BB962C8B-B14F-4D97-AF65-F5344CB8AC3E}">
-        <p14:creationId xmlns:p14="http://schemas.microsoft.com/office/powerpoint/2010/main" val="1943820083"/>
+        <p14:creationId xmlns:p14="http://schemas.microsoft.com/office/powerpoint/2010/main" val="4175319011"/>
       </p:ext>
     </p:extLst>
   </p:cSld>

--- a/sass.pptx
+++ b/sass.pptx
@@ -11,15 +11,18 @@
     <p:sldId id="258" r:id="rId5"/>
     <p:sldId id="261" r:id="rId6"/>
     <p:sldId id="262" r:id="rId7"/>
-    <p:sldId id="263" r:id="rId8"/>
-    <p:sldId id="268" r:id="rId9"/>
-    <p:sldId id="265" r:id="rId10"/>
-    <p:sldId id="266" r:id="rId11"/>
-    <p:sldId id="269" r:id="rId12"/>
-    <p:sldId id="270" r:id="rId13"/>
-    <p:sldId id="271" r:id="rId14"/>
-    <p:sldId id="267" r:id="rId15"/>
-    <p:sldId id="272" r:id="rId16"/>
+    <p:sldId id="274" r:id="rId8"/>
+    <p:sldId id="275" r:id="rId9"/>
+    <p:sldId id="276" r:id="rId10"/>
+    <p:sldId id="263" r:id="rId11"/>
+    <p:sldId id="268" r:id="rId12"/>
+    <p:sldId id="265" r:id="rId13"/>
+    <p:sldId id="266" r:id="rId14"/>
+    <p:sldId id="269" r:id="rId15"/>
+    <p:sldId id="270" r:id="rId16"/>
+    <p:sldId id="271" r:id="rId17"/>
+    <p:sldId id="267" r:id="rId18"/>
+    <p:sldId id="272" r:id="rId19"/>
   </p:sldIdLst>
   <p:sldSz cx="12192000" cy="6858000"/>
   <p:notesSz cx="6858000" cy="9144000"/>
@@ -3125,182 +3128,119 @@
           <a:lstStyle/>
           <a:p>
             <a:r>
+              <a:rPr lang="en-US" altLang="zh-TW" dirty="0" err="1" smtClean="0"/>
+              <a:t>mixin</a:t>
+            </a:r>
+            <a:r>
+              <a:rPr lang="zh-TW" altLang="en-US" dirty="0" smtClean="0"/>
+              <a:t>與</a:t>
+            </a:r>
+            <a:r>
               <a:rPr lang="en-US" altLang="zh-TW" dirty="0" smtClean="0"/>
-              <a:t>@for</a:t>
+              <a:t>include</a:t>
+            </a:r>
+            <a:r>
+              <a:rPr lang="zh-TW" altLang="en-US" dirty="0" smtClean="0"/>
+              <a:t>的使用</a:t>
             </a:r>
             <a:endParaRPr lang="zh-TW" altLang="en-US" dirty="0"/>
           </a:p>
         </p:txBody>
       </p:sp>
-      <p:sp>
-        <p:nvSpPr>
-          <p:cNvPr id="3" name="內容版面配置區 2"/>
-          <p:cNvSpPr>
-            <a:spLocks noGrp="1"/>
-          </p:cNvSpPr>
+      <p:pic>
+        <p:nvPicPr>
+          <p:cNvPr id="4" name="內容版面配置區 3"/>
+          <p:cNvPicPr>
+            <a:picLocks noGrp="1" noChangeAspect="1"/>
+          </p:cNvPicPr>
           <p:nvPr>
             <p:ph idx="1"/>
           </p:nvPr>
-        </p:nvSpPr>
-        <p:spPr/>
-        <p:txBody>
-          <a:bodyPr/>
-          <a:lstStyle/>
-          <a:p>
-            <a:pPr marL="0" indent="0">
-              <a:buNone/>
-            </a:pPr>
-            <a:r>
-              <a:rPr lang="en-US" altLang="zh-TW" dirty="0" smtClean="0">
-                <a:solidFill>
-                  <a:schemeClr val="accent1"/>
-                </a:solidFill>
-              </a:rPr>
-              <a:t>@for </a:t>
-            </a:r>
-            <a:r>
-              <a:rPr lang="zh-TW" altLang="en-US" dirty="0" smtClean="0">
-                <a:solidFill>
-                  <a:srgbClr val="FF0000"/>
-                </a:solidFill>
-              </a:rPr>
-              <a:t>變數</a:t>
-            </a:r>
-            <a:r>
-              <a:rPr lang="zh-TW" altLang="en-US" dirty="0" smtClean="0"/>
-              <a:t> </a:t>
-            </a:r>
-            <a:r>
-              <a:rPr lang="en-US" altLang="zh-TW" dirty="0" smtClean="0">
-                <a:solidFill>
-                  <a:schemeClr val="accent1"/>
-                </a:solidFill>
-              </a:rPr>
-              <a:t>from</a:t>
-            </a:r>
-            <a:r>
-              <a:rPr lang="en-US" altLang="zh-TW" dirty="0" smtClean="0"/>
-              <a:t> </a:t>
-            </a:r>
-            <a:r>
-              <a:rPr lang="zh-TW" altLang="en-US" dirty="0" smtClean="0">
-                <a:solidFill>
-                  <a:srgbClr val="FF0000"/>
-                </a:solidFill>
-              </a:rPr>
-              <a:t>初始值</a:t>
-            </a:r>
-            <a:r>
-              <a:rPr lang="zh-TW" altLang="en-US" dirty="0" smtClean="0"/>
-              <a:t> </a:t>
-            </a:r>
-            <a:r>
-              <a:rPr lang="en-US" altLang="zh-TW" dirty="0" smtClean="0">
-                <a:solidFill>
-                  <a:schemeClr val="accent1"/>
-                </a:solidFill>
-              </a:rPr>
-              <a:t>through</a:t>
-            </a:r>
-            <a:r>
-              <a:rPr lang="en-US" altLang="zh-TW" dirty="0" smtClean="0"/>
-              <a:t> </a:t>
-            </a:r>
-            <a:r>
-              <a:rPr lang="zh-TW" altLang="en-US" dirty="0" smtClean="0">
-                <a:solidFill>
-                  <a:srgbClr val="FF0000"/>
-                </a:solidFill>
-              </a:rPr>
-              <a:t>終止值</a:t>
-            </a:r>
-            <a:r>
-              <a:rPr lang="en-US" altLang="zh-TW" dirty="0" smtClean="0">
-                <a:solidFill>
-                  <a:schemeClr val="accent1"/>
-                </a:solidFill>
-              </a:rPr>
-              <a:t>{</a:t>
-            </a:r>
-          </a:p>
-          <a:p>
-            <a:pPr marL="0" indent="0">
-              <a:buNone/>
-            </a:pPr>
-            <a:r>
-              <a:rPr lang="en-US" altLang="zh-TW" dirty="0" smtClean="0"/>
-              <a:t>	.box{</a:t>
-            </a:r>
-          </a:p>
-          <a:p>
-            <a:pPr marL="0" indent="0">
-              <a:buNone/>
-            </a:pPr>
-            <a:r>
-              <a:rPr lang="en-US" altLang="zh-TW" dirty="0"/>
-              <a:t>	</a:t>
-            </a:r>
-            <a:r>
-              <a:rPr lang="en-US" altLang="zh-TW" dirty="0" smtClean="0"/>
-              <a:t>	width:</a:t>
-            </a:r>
-            <a:r>
-              <a:rPr lang="zh-TW" altLang="en-US" dirty="0" smtClean="0">
-                <a:solidFill>
-                  <a:srgbClr val="FF0000"/>
-                </a:solidFill>
-              </a:rPr>
-              <a:t>變數</a:t>
-            </a:r>
-            <a:r>
-              <a:rPr lang="en-US" altLang="zh-TW" dirty="0" smtClean="0"/>
-              <a:t>;</a:t>
-            </a:r>
-          </a:p>
-          <a:p>
-            <a:pPr marL="0" indent="0">
-              <a:buNone/>
-            </a:pPr>
-            <a:r>
-              <a:rPr lang="en-US" altLang="zh-TW" dirty="0"/>
-              <a:t>	</a:t>
-            </a:r>
-            <a:r>
-              <a:rPr lang="en-US" altLang="zh-TW" dirty="0" smtClean="0"/>
-              <a:t>}</a:t>
-            </a:r>
-            <a:endParaRPr lang="en-US" altLang="zh-TW" dirty="0"/>
-          </a:p>
-          <a:p>
-            <a:pPr marL="0" indent="0">
-              <a:buNone/>
-            </a:pPr>
-            <a:r>
-              <a:rPr lang="en-US" altLang="zh-TW" dirty="0" smtClean="0">
-                <a:solidFill>
-                  <a:schemeClr val="accent1"/>
-                </a:solidFill>
-              </a:rPr>
-              <a:t>}</a:t>
-            </a:r>
-            <a:endParaRPr lang="zh-TW" altLang="en-US" dirty="0">
-              <a:solidFill>
-                <a:schemeClr val="accent1"/>
-              </a:solidFill>
-            </a:endParaRPr>
+        </p:nvPicPr>
+        <p:blipFill>
+          <a:blip r:embed="rId2">
+            <a:extLst>
+              <a:ext uri="{28A0092B-C50C-407E-A947-70E740481C1C}">
+                <a14:useLocalDpi xmlns:a14="http://schemas.microsoft.com/office/drawing/2010/main" val="0"/>
+              </a:ext>
+            </a:extLst>
+          </a:blip>
+          <a:stretch>
+            <a:fillRect/>
+          </a:stretch>
+        </p:blipFill>
+        <p:spPr>
+          <a:xfrm>
+            <a:off x="7299769" y="1468140"/>
+            <a:ext cx="4130231" cy="4899588"/>
+          </a:xfrm>
+        </p:spPr>
+      </p:pic>
+      <p:sp>
+        <p:nvSpPr>
+          <p:cNvPr id="5" name="文字方塊 4"/>
+          <p:cNvSpPr txBox="1"/>
+          <p:nvPr/>
+        </p:nvSpPr>
+        <p:spPr>
+          <a:xfrm>
+            <a:off x="1252728" y="2228714"/>
+            <a:ext cx="5432965" cy="1015663"/>
+          </a:xfrm>
+          <a:prstGeom prst="rect">
+            <a:avLst/>
+          </a:prstGeom>
+          <a:noFill/>
+        </p:spPr>
+        <p:txBody>
+          <a:bodyPr wrap="square" rtlCol="0">
+            <a:spAutoFit/>
+          </a:bodyPr>
+          <a:lstStyle/>
+          <a:p>
+            <a:r>
+              <a:rPr lang="en-US" altLang="zh-TW" sz="2000" dirty="0" err="1" smtClean="0"/>
+              <a:t>mixin</a:t>
+            </a:r>
+            <a:r>
+              <a:rPr lang="zh-TW" altLang="en-US" sz="2000" dirty="0" smtClean="0"/>
+              <a:t>就像一個函式，可以代入多個屬性</a:t>
+            </a:r>
+            <a:endParaRPr lang="en-US" altLang="zh-TW" sz="2000" dirty="0" smtClean="0"/>
+          </a:p>
+          <a:p>
+            <a:endParaRPr lang="en-US" altLang="zh-TW" sz="2000" dirty="0" smtClean="0"/>
+          </a:p>
+          <a:p>
+            <a:r>
+              <a:rPr lang="en-US" altLang="zh-TW" sz="2000" dirty="0" smtClean="0"/>
+              <a:t>include</a:t>
+            </a:r>
+            <a:r>
+              <a:rPr lang="zh-TW" altLang="en-US" sz="2000" dirty="0" smtClean="0"/>
+              <a:t>為執行函式</a:t>
+            </a:r>
+            <a:endParaRPr lang="zh-TW" altLang="en-US" sz="2000" dirty="0"/>
           </a:p>
         </p:txBody>
       </p:sp>
     </p:spTree>
     <p:extLst>
       <p:ext uri="{BB962C8B-B14F-4D97-AF65-F5344CB8AC3E}">
-        <p14:creationId xmlns:p14="http://schemas.microsoft.com/office/powerpoint/2010/main" val="1943820083"/>
+        <p14:creationId xmlns:p14="http://schemas.microsoft.com/office/powerpoint/2010/main" val="190352285"/>
       </p:ext>
     </p:extLst>
   </p:cSld>
   <p:clrMapOvr>
     <a:masterClrMapping/>
   </p:clrMapOvr>
+  <p:timing>
+    <p:tnLst>
+      <p:par>
+        <p:cTn id="1" dur="indefinite" restart="never" nodeType="tmRoot"/>
+      </p:par>
+    </p:tnLst>
+  </p:timing>
 </p:sld>
 </file>
 
@@ -3337,6 +3277,471 @@
           <a:lstStyle/>
           <a:p>
             <a:r>
+              <a:rPr lang="zh-TW" altLang="en-US" dirty="0" smtClean="0"/>
+              <a:t>數學運算</a:t>
+            </a:r>
+            <a:endParaRPr lang="zh-TW" altLang="en-US" dirty="0"/>
+          </a:p>
+        </p:txBody>
+      </p:sp>
+      <p:pic>
+        <p:nvPicPr>
+          <p:cNvPr id="6" name="內容版面配置區 5"/>
+          <p:cNvPicPr>
+            <a:picLocks noGrp="1" noChangeAspect="1"/>
+          </p:cNvPicPr>
+          <p:nvPr>
+            <p:ph idx="1"/>
+          </p:nvPr>
+        </p:nvPicPr>
+        <p:blipFill>
+          <a:blip r:embed="rId2">
+            <a:extLst>
+              <a:ext uri="{28A0092B-C50C-407E-A947-70E740481C1C}">
+                <a14:useLocalDpi xmlns:a14="http://schemas.microsoft.com/office/drawing/2010/main" val="0"/>
+              </a:ext>
+            </a:extLst>
+          </a:blip>
+          <a:stretch>
+            <a:fillRect/>
+          </a:stretch>
+        </p:blipFill>
+        <p:spPr>
+          <a:xfrm>
+            <a:off x="2460730" y="2295145"/>
+            <a:ext cx="5695337" cy="2489676"/>
+          </a:xfrm>
+        </p:spPr>
+      </p:pic>
+    </p:spTree>
+    <p:extLst>
+      <p:ext uri="{BB962C8B-B14F-4D97-AF65-F5344CB8AC3E}">
+        <p14:creationId xmlns:p14="http://schemas.microsoft.com/office/powerpoint/2010/main" val="4270612664"/>
+      </p:ext>
+    </p:extLst>
+  </p:cSld>
+  <p:clrMapOvr>
+    <a:masterClrMapping/>
+  </p:clrMapOvr>
+  <p:timing>
+    <p:tnLst>
+      <p:par>
+        <p:cTn id="1" dur="indefinite" restart="never" nodeType="tmRoot"/>
+      </p:par>
+    </p:tnLst>
+  </p:timing>
+</p:sld>
+</file>
+
+<file path=ppt/slides/slide12.xml><?xml version="1.0" encoding="utf-8"?>
+<p:sld xmlns:a="http://schemas.openxmlformats.org/drawingml/2006/main" xmlns:r="http://schemas.openxmlformats.org/officeDocument/2006/relationships" xmlns:p="http://schemas.openxmlformats.org/presentationml/2006/main">
+  <p:cSld>
+    <p:spTree>
+      <p:nvGrpSpPr>
+        <p:cNvPr id="1" name=""/>
+        <p:cNvGrpSpPr/>
+        <p:nvPr/>
+      </p:nvGrpSpPr>
+      <p:grpSpPr>
+        <a:xfrm>
+          <a:off x="0" y="0"/>
+          <a:ext cx="0" cy="0"/>
+          <a:chOff x="0" y="0"/>
+          <a:chExt cx="0" cy="0"/>
+        </a:xfrm>
+      </p:grpSpPr>
+      <p:sp>
+        <p:nvSpPr>
+          <p:cNvPr id="2" name="標題 1"/>
+          <p:cNvSpPr>
+            <a:spLocks noGrp="1"/>
+          </p:cNvSpPr>
+          <p:nvPr>
+            <p:ph type="title"/>
+          </p:nvPr>
+        </p:nvSpPr>
+        <p:spPr/>
+        <p:txBody>
+          <a:bodyPr/>
+          <a:lstStyle/>
+          <a:p>
+            <a:r>
+              <a:rPr lang="zh-TW" altLang="en-US" dirty="0" smtClean="0"/>
+              <a:t>匯入 </a:t>
+            </a:r>
+            <a:r>
+              <a:rPr lang="en-US" altLang="zh-TW" dirty="0" smtClean="0"/>
+              <a:t>@import</a:t>
+            </a:r>
+            <a:endParaRPr lang="zh-TW" altLang="en-US" dirty="0"/>
+          </a:p>
+        </p:txBody>
+      </p:sp>
+      <p:sp>
+        <p:nvSpPr>
+          <p:cNvPr id="3" name="內容版面配置區 2"/>
+          <p:cNvSpPr>
+            <a:spLocks noGrp="1"/>
+          </p:cNvSpPr>
+          <p:nvPr>
+            <p:ph idx="1"/>
+          </p:nvPr>
+        </p:nvSpPr>
+        <p:spPr/>
+        <p:txBody>
+          <a:bodyPr/>
+          <a:lstStyle/>
+          <a:p>
+            <a:r>
+              <a:rPr lang="zh-TW" altLang="en-US" dirty="0" smtClean="0"/>
+              <a:t>建立一個模組檔案 </a:t>
+            </a:r>
+            <a:r>
+              <a:rPr lang="en-US" altLang="zh-TW" dirty="0" smtClean="0"/>
+              <a:t>_</a:t>
+            </a:r>
+            <a:r>
+              <a:rPr lang="en-US" altLang="zh-TW" dirty="0" err="1" smtClean="0"/>
+              <a:t>reset.scss</a:t>
+            </a:r>
+            <a:endParaRPr lang="en-US" altLang="zh-TW" dirty="0" smtClean="0"/>
+          </a:p>
+          <a:p>
+            <a:r>
+              <a:rPr lang="zh-TW" altLang="en-US" dirty="0"/>
+              <a:t>檔案前面</a:t>
+            </a:r>
+            <a:r>
+              <a:rPr lang="zh-TW" altLang="en-US" dirty="0" smtClean="0"/>
+              <a:t>加底線將不會自動編譯為</a:t>
+            </a:r>
+            <a:r>
+              <a:rPr lang="en-US" altLang="zh-TW" dirty="0" smtClean="0"/>
+              <a:t>CSS</a:t>
+            </a:r>
+            <a:r>
+              <a:rPr lang="zh-TW" altLang="en-US" dirty="0" smtClean="0"/>
+              <a:t>檔案</a:t>
+            </a:r>
+            <a:endParaRPr lang="en-US" altLang="zh-TW" dirty="0" smtClean="0"/>
+          </a:p>
+          <a:p>
+            <a:endParaRPr lang="en-US" altLang="zh-TW" dirty="0"/>
+          </a:p>
+          <a:p>
+            <a:r>
+              <a:rPr lang="zh-TW" altLang="en-US" dirty="0" smtClean="0"/>
+              <a:t>使用模組</a:t>
+            </a:r>
+            <a:r>
+              <a:rPr lang="en-US" altLang="zh-TW" dirty="0" smtClean="0"/>
+              <a:t>:</a:t>
+            </a:r>
+          </a:p>
+          <a:p>
+            <a:r>
+              <a:rPr lang="en-US" altLang="zh-TW" dirty="0" smtClean="0">
+                <a:solidFill>
+                  <a:srgbClr val="FF0000"/>
+                </a:solidFill>
+              </a:rPr>
+              <a:t>@import </a:t>
+            </a:r>
+            <a:r>
+              <a:rPr lang="en-US" altLang="zh-TW" dirty="0" smtClean="0"/>
+              <a:t>“reset”;</a:t>
+            </a:r>
+          </a:p>
+          <a:p>
+            <a:r>
+              <a:rPr lang="en-US" altLang="zh-TW" dirty="0" smtClean="0"/>
+              <a:t>*</a:t>
+            </a:r>
+            <a:r>
+              <a:rPr lang="zh-TW" altLang="en-US" dirty="0" smtClean="0"/>
+              <a:t>注意</a:t>
+            </a:r>
+            <a:r>
+              <a:rPr lang="zh-TW" altLang="en-US" dirty="0"/>
+              <a:t> </a:t>
+            </a:r>
+            <a:r>
+              <a:rPr lang="en-US" altLang="zh-TW" dirty="0" smtClean="0"/>
+              <a:t>!</a:t>
+            </a:r>
+            <a:r>
+              <a:rPr lang="zh-TW" altLang="en-US" dirty="0" smtClean="0"/>
+              <a:t> 載入檔案不需要加底線與副檔名</a:t>
+            </a:r>
+            <a:endParaRPr lang="zh-TW" altLang="en-US" dirty="0"/>
+          </a:p>
+        </p:txBody>
+      </p:sp>
+    </p:spTree>
+    <p:extLst>
+      <p:ext uri="{BB962C8B-B14F-4D97-AF65-F5344CB8AC3E}">
+        <p14:creationId xmlns:p14="http://schemas.microsoft.com/office/powerpoint/2010/main" val="4175319011"/>
+      </p:ext>
+    </p:extLst>
+  </p:cSld>
+  <p:clrMapOvr>
+    <a:masterClrMapping/>
+  </p:clrMapOvr>
+  <p:timing>
+    <p:tnLst>
+      <p:par>
+        <p:cTn id="1" dur="indefinite" restart="never" nodeType="tmRoot"/>
+      </p:par>
+    </p:tnLst>
+  </p:timing>
+</p:sld>
+</file>
+
+<file path=ppt/slides/slide13.xml><?xml version="1.0" encoding="utf-8"?>
+<p:sld xmlns:a="http://schemas.openxmlformats.org/drawingml/2006/main" xmlns:r="http://schemas.openxmlformats.org/officeDocument/2006/relationships" xmlns:p="http://schemas.openxmlformats.org/presentationml/2006/main">
+  <p:cSld>
+    <p:spTree>
+      <p:nvGrpSpPr>
+        <p:cNvPr id="1" name=""/>
+        <p:cNvGrpSpPr/>
+        <p:nvPr/>
+      </p:nvGrpSpPr>
+      <p:grpSpPr>
+        <a:xfrm>
+          <a:off x="0" y="0"/>
+          <a:ext cx="0" cy="0"/>
+          <a:chOff x="0" y="0"/>
+          <a:chExt cx="0" cy="0"/>
+        </a:xfrm>
+      </p:grpSpPr>
+      <p:sp>
+        <p:nvSpPr>
+          <p:cNvPr id="2" name="標題 1"/>
+          <p:cNvSpPr>
+            <a:spLocks noGrp="1"/>
+          </p:cNvSpPr>
+          <p:nvPr>
+            <p:ph type="title"/>
+          </p:nvPr>
+        </p:nvSpPr>
+        <p:spPr/>
+        <p:txBody>
+          <a:bodyPr/>
+          <a:lstStyle/>
+          <a:p>
+            <a:r>
+              <a:rPr lang="en-US" altLang="zh-TW" dirty="0" smtClean="0"/>
+              <a:t>@for</a:t>
+            </a:r>
+            <a:endParaRPr lang="zh-TW" altLang="en-US" dirty="0"/>
+          </a:p>
+        </p:txBody>
+      </p:sp>
+      <p:sp>
+        <p:nvSpPr>
+          <p:cNvPr id="3" name="內容版面配置區 2"/>
+          <p:cNvSpPr>
+            <a:spLocks noGrp="1"/>
+          </p:cNvSpPr>
+          <p:nvPr>
+            <p:ph idx="1"/>
+          </p:nvPr>
+        </p:nvSpPr>
+        <p:spPr/>
+        <p:txBody>
+          <a:bodyPr/>
+          <a:lstStyle/>
+          <a:p>
+            <a:pPr marL="0" indent="0">
+              <a:buNone/>
+            </a:pPr>
+            <a:r>
+              <a:rPr lang="en-US" altLang="zh-TW" dirty="0" smtClean="0">
+                <a:solidFill>
+                  <a:schemeClr val="accent1"/>
+                </a:solidFill>
+              </a:rPr>
+              <a:t>@for </a:t>
+            </a:r>
+            <a:r>
+              <a:rPr lang="zh-TW" altLang="en-US" dirty="0" smtClean="0">
+                <a:solidFill>
+                  <a:srgbClr val="FF0000"/>
+                </a:solidFill>
+              </a:rPr>
+              <a:t>變數</a:t>
+            </a:r>
+            <a:r>
+              <a:rPr lang="zh-TW" altLang="en-US" dirty="0" smtClean="0"/>
+              <a:t> </a:t>
+            </a:r>
+            <a:r>
+              <a:rPr lang="en-US" altLang="zh-TW" dirty="0" smtClean="0">
+                <a:solidFill>
+                  <a:schemeClr val="accent1"/>
+                </a:solidFill>
+              </a:rPr>
+              <a:t>from</a:t>
+            </a:r>
+            <a:r>
+              <a:rPr lang="en-US" altLang="zh-TW" dirty="0" smtClean="0"/>
+              <a:t> </a:t>
+            </a:r>
+            <a:r>
+              <a:rPr lang="zh-TW" altLang="en-US" dirty="0" smtClean="0">
+                <a:solidFill>
+                  <a:srgbClr val="FF0000"/>
+                </a:solidFill>
+              </a:rPr>
+              <a:t>初始值</a:t>
+            </a:r>
+            <a:r>
+              <a:rPr lang="zh-TW" altLang="en-US" dirty="0" smtClean="0"/>
+              <a:t> </a:t>
+            </a:r>
+            <a:r>
+              <a:rPr lang="en-US" altLang="zh-TW" dirty="0" smtClean="0">
+                <a:solidFill>
+                  <a:schemeClr val="accent1"/>
+                </a:solidFill>
+              </a:rPr>
+              <a:t>through</a:t>
+            </a:r>
+            <a:r>
+              <a:rPr lang="en-US" altLang="zh-TW" dirty="0" smtClean="0"/>
+              <a:t> </a:t>
+            </a:r>
+            <a:r>
+              <a:rPr lang="zh-TW" altLang="en-US" dirty="0" smtClean="0">
+                <a:solidFill>
+                  <a:srgbClr val="FF0000"/>
+                </a:solidFill>
+              </a:rPr>
+              <a:t>終止值</a:t>
+            </a:r>
+            <a:r>
+              <a:rPr lang="en-US" altLang="zh-TW" dirty="0" smtClean="0">
+                <a:solidFill>
+                  <a:schemeClr val="accent1"/>
+                </a:solidFill>
+              </a:rPr>
+              <a:t>{</a:t>
+            </a:r>
+          </a:p>
+          <a:p>
+            <a:pPr marL="0" indent="0">
+              <a:buNone/>
+            </a:pPr>
+            <a:r>
+              <a:rPr lang="en-US" altLang="zh-TW" dirty="0" smtClean="0"/>
+              <a:t>	.box{</a:t>
+            </a:r>
+          </a:p>
+          <a:p>
+            <a:pPr marL="0" indent="0">
+              <a:buNone/>
+            </a:pPr>
+            <a:r>
+              <a:rPr lang="en-US" altLang="zh-TW" dirty="0"/>
+              <a:t>	</a:t>
+            </a:r>
+            <a:r>
+              <a:rPr lang="en-US" altLang="zh-TW" dirty="0" smtClean="0"/>
+              <a:t>	width:</a:t>
+            </a:r>
+            <a:r>
+              <a:rPr lang="zh-TW" altLang="en-US" dirty="0" smtClean="0">
+                <a:solidFill>
+                  <a:srgbClr val="FF0000"/>
+                </a:solidFill>
+              </a:rPr>
+              <a:t>變數</a:t>
+            </a:r>
+            <a:r>
+              <a:rPr lang="en-US" altLang="zh-TW" dirty="0" smtClean="0"/>
+              <a:t>;</a:t>
+            </a:r>
+          </a:p>
+          <a:p>
+            <a:pPr marL="0" indent="0">
+              <a:buNone/>
+            </a:pPr>
+            <a:r>
+              <a:rPr lang="en-US" altLang="zh-TW" dirty="0"/>
+              <a:t>	</a:t>
+            </a:r>
+            <a:r>
+              <a:rPr lang="en-US" altLang="zh-TW" dirty="0" smtClean="0"/>
+              <a:t>}</a:t>
+            </a:r>
+            <a:endParaRPr lang="en-US" altLang="zh-TW" dirty="0"/>
+          </a:p>
+          <a:p>
+            <a:pPr marL="0" indent="0">
+              <a:buNone/>
+            </a:pPr>
+            <a:r>
+              <a:rPr lang="en-US" altLang="zh-TW" dirty="0" smtClean="0">
+                <a:solidFill>
+                  <a:schemeClr val="accent1"/>
+                </a:solidFill>
+              </a:rPr>
+              <a:t>}</a:t>
+            </a:r>
+            <a:endParaRPr lang="zh-TW" altLang="en-US" dirty="0">
+              <a:solidFill>
+                <a:schemeClr val="accent1"/>
+              </a:solidFill>
+            </a:endParaRPr>
+          </a:p>
+        </p:txBody>
+      </p:sp>
+    </p:spTree>
+    <p:extLst>
+      <p:ext uri="{BB962C8B-B14F-4D97-AF65-F5344CB8AC3E}">
+        <p14:creationId xmlns:p14="http://schemas.microsoft.com/office/powerpoint/2010/main" val="1943820083"/>
+      </p:ext>
+    </p:extLst>
+  </p:cSld>
+  <p:clrMapOvr>
+    <a:masterClrMapping/>
+  </p:clrMapOvr>
+</p:sld>
+</file>
+
+<file path=ppt/slides/slide14.xml><?xml version="1.0" encoding="utf-8"?>
+<p:sld xmlns:a="http://schemas.openxmlformats.org/drawingml/2006/main" xmlns:r="http://schemas.openxmlformats.org/officeDocument/2006/relationships" xmlns:p="http://schemas.openxmlformats.org/presentationml/2006/main">
+  <p:cSld>
+    <p:spTree>
+      <p:nvGrpSpPr>
+        <p:cNvPr id="1" name=""/>
+        <p:cNvGrpSpPr/>
+        <p:nvPr/>
+      </p:nvGrpSpPr>
+      <p:grpSpPr>
+        <a:xfrm>
+          <a:off x="0" y="0"/>
+          <a:ext cx="0" cy="0"/>
+          <a:chOff x="0" y="0"/>
+          <a:chExt cx="0" cy="0"/>
+        </a:xfrm>
+      </p:grpSpPr>
+      <p:sp>
+        <p:nvSpPr>
+          <p:cNvPr id="2" name="標題 1"/>
+          <p:cNvSpPr>
+            <a:spLocks noGrp="1"/>
+          </p:cNvSpPr>
+          <p:nvPr>
+            <p:ph type="title"/>
+          </p:nvPr>
+        </p:nvSpPr>
+        <p:spPr/>
+        <p:txBody>
+          <a:bodyPr/>
+          <a:lstStyle/>
+          <a:p>
+            <a:r>
               <a:rPr lang="en-US" altLang="zh-TW" dirty="0" smtClean="0"/>
               <a:t>@for </a:t>
             </a:r>
@@ -3548,7 +3953,7 @@
 </p:sld>
 </file>
 
-<file path=ppt/slides/slide12.xml><?xml version="1.0" encoding="utf-8"?>
+<file path=ppt/slides/slide15.xml><?xml version="1.0" encoding="utf-8"?>
 <p:sld xmlns:a="http://schemas.openxmlformats.org/drawingml/2006/main" xmlns:r="http://schemas.openxmlformats.org/officeDocument/2006/relationships" xmlns:p="http://schemas.openxmlformats.org/presentationml/2006/main">
   <p:cSld>
     <p:spTree>
@@ -3633,7 +4038,7 @@
 </p:sld>
 </file>
 
-<file path=ppt/slides/slide13.xml><?xml version="1.0" encoding="utf-8"?>
+<file path=ppt/slides/slide16.xml><?xml version="1.0" encoding="utf-8"?>
 <p:sld xmlns:a="http://schemas.openxmlformats.org/drawingml/2006/main" xmlns:r="http://schemas.openxmlformats.org/officeDocument/2006/relationships" xmlns:p="http://schemas.openxmlformats.org/presentationml/2006/main">
   <p:cSld>
     <p:spTree>
@@ -3914,7 +4319,7 @@
 </p:sld>
 </file>
 
-<file path=ppt/slides/slide14.xml><?xml version="1.0" encoding="utf-8"?>
+<file path=ppt/slides/slide17.xml><?xml version="1.0" encoding="utf-8"?>
 <p:sld xmlns:a="http://schemas.openxmlformats.org/drawingml/2006/main" xmlns:r="http://schemas.openxmlformats.org/officeDocument/2006/relationships" xmlns:p="http://schemas.openxmlformats.org/presentationml/2006/main">
   <p:cSld>
     <p:spTree>
@@ -3996,7 +4401,7 @@
 </p:sld>
 </file>
 
-<file path=ppt/slides/slide15.xml><?xml version="1.0" encoding="utf-8"?>
+<file path=ppt/slides/slide18.xml><?xml version="1.0" encoding="utf-8"?>
 <p:sld xmlns:a="http://schemas.openxmlformats.org/drawingml/2006/main" xmlns:r="http://schemas.openxmlformats.org/officeDocument/2006/relationships" xmlns:p="http://schemas.openxmlformats.org/presentationml/2006/main">
   <p:cSld>
     <p:spTree>
@@ -4115,7 +4520,6 @@
               <a:rPr lang="zh-TW" altLang="en-US" dirty="0"/>
               <a:t>課程建議</a:t>
             </a:r>
-            <a:endParaRPr lang="zh-TW" altLang="en-US" dirty="0"/>
           </a:p>
         </p:txBody>
       </p:sp>
@@ -4945,6 +5349,13 @@
   <p:clrMapOvr>
     <a:masterClrMapping/>
   </p:clrMapOvr>
+  <p:timing>
+    <p:tnLst>
+      <p:par>
+        <p:cTn id="1" dur="indefinite" restart="never" nodeType="tmRoot"/>
+      </p:par>
+    </p:tnLst>
+  </p:timing>
 </p:sld>
 </file>
 
@@ -4981,112 +5392,101 @@
           <a:lstStyle/>
           <a:p>
             <a:r>
-              <a:rPr lang="en-US" altLang="zh-TW" dirty="0" err="1" smtClean="0"/>
-              <a:t>mixin</a:t>
+              <a:rPr lang="en-US" altLang="zh-TW" dirty="0" smtClean="0"/>
+              <a:t>@</a:t>
+            </a:r>
+            <a:r>
+              <a:rPr lang="en-US" altLang="zh-TW" dirty="0" smtClean="0"/>
+              <a:t>extend- </a:t>
             </a:r>
             <a:r>
               <a:rPr lang="zh-TW" altLang="en-US" dirty="0" smtClean="0"/>
-              <a:t>與</a:t>
-            </a:r>
-            <a:r>
-              <a:rPr lang="en-US" altLang="zh-TW" dirty="0" smtClean="0"/>
-              <a:t>include</a:t>
-            </a:r>
-            <a:r>
-              <a:rPr lang="zh-TW" altLang="en-US" dirty="0" smtClean="0"/>
-              <a:t>的使用</a:t>
+              <a:t>繼承</a:t>
             </a:r>
             <a:endParaRPr lang="zh-TW" altLang="en-US" dirty="0"/>
           </a:p>
         </p:txBody>
       </p:sp>
-      <p:pic>
-        <p:nvPicPr>
-          <p:cNvPr id="4" name="內容版面配置區 3"/>
-          <p:cNvPicPr>
-            <a:picLocks noGrp="1" noChangeAspect="1"/>
-          </p:cNvPicPr>
+      <p:sp>
+        <p:nvSpPr>
+          <p:cNvPr id="3" name="內容版面配置區 2"/>
+          <p:cNvSpPr>
+            <a:spLocks noGrp="1"/>
+          </p:cNvSpPr>
           <p:nvPr>
             <p:ph idx="1"/>
           </p:nvPr>
-        </p:nvPicPr>
-        <p:blipFill>
-          <a:blip r:embed="rId2">
-            <a:extLst>
-              <a:ext uri="{28A0092B-C50C-407E-A947-70E740481C1C}">
-                <a14:useLocalDpi xmlns:a14="http://schemas.microsoft.com/office/drawing/2010/main" val="0"/>
-              </a:ext>
-            </a:extLst>
-          </a:blip>
-          <a:stretch>
-            <a:fillRect/>
-          </a:stretch>
-        </p:blipFill>
+        </p:nvSpPr>
         <p:spPr>
           <a:xfrm>
-            <a:off x="7299769" y="1468140"/>
-            <a:ext cx="4130231" cy="4899588"/>
+            <a:off x="838200" y="1825625"/>
+            <a:ext cx="10436352" cy="4351338"/>
           </a:xfrm>
         </p:spPr>
-      </p:pic>
-      <p:sp>
-        <p:nvSpPr>
-          <p:cNvPr id="5" name="文字方塊 4"/>
-          <p:cNvSpPr txBox="1"/>
-          <p:nvPr/>
-        </p:nvSpPr>
-        <p:spPr>
-          <a:xfrm>
-            <a:off x="1252728" y="2228714"/>
-            <a:ext cx="5432965" cy="1015663"/>
-          </a:xfrm>
-          <a:prstGeom prst="rect">
-            <a:avLst/>
-          </a:prstGeom>
-          <a:noFill/>
-        </p:spPr>
-        <p:txBody>
-          <a:bodyPr wrap="square" rtlCol="0">
-            <a:spAutoFit/>
-          </a:bodyPr>
-          <a:lstStyle/>
-          <a:p>
-            <a:r>
-              <a:rPr lang="en-US" altLang="zh-TW" sz="2000" dirty="0" err="1" smtClean="0"/>
-              <a:t>mixin</a:t>
-            </a:r>
-            <a:r>
-              <a:rPr lang="zh-TW" altLang="en-US" sz="2000" dirty="0" smtClean="0"/>
-              <a:t>就像一個函式，可以代入多個屬性</a:t>
-            </a:r>
-            <a:endParaRPr lang="en-US" altLang="zh-TW" sz="2000" dirty="0" smtClean="0"/>
-          </a:p>
-          <a:p>
-            <a:endParaRPr lang="en-US" altLang="zh-TW" sz="2000" dirty="0" smtClean="0"/>
-          </a:p>
-          <a:p>
-            <a:r>
-              <a:rPr lang="en-US" altLang="zh-TW" sz="2000" dirty="0" smtClean="0"/>
-              <a:t>include</a:t>
-            </a:r>
-            <a:r>
-              <a:rPr lang="zh-TW" altLang="en-US" sz="2000" dirty="0" smtClean="0"/>
-              <a:t>為執行函式</a:t>
-            </a:r>
-            <a:endParaRPr lang="zh-TW" altLang="en-US" sz="2000" dirty="0"/>
+        <p:txBody>
+          <a:bodyPr/>
+          <a:lstStyle/>
+          <a:p>
+            <a:pPr marL="0" indent="0">
+              <a:buNone/>
+            </a:pPr>
+            <a:r>
+              <a:rPr lang="zh-TW" altLang="en-US" dirty="0" smtClean="0"/>
+              <a:t>把重複的樣式重複使用，使用一樣的元素</a:t>
+            </a:r>
+            <a:endParaRPr lang="en-US" altLang="zh-TW" dirty="0" smtClean="0"/>
+          </a:p>
+          <a:p>
+            <a:pPr marL="0" indent="0">
+              <a:buNone/>
+            </a:pPr>
+            <a:endParaRPr lang="en-US" altLang="zh-TW" dirty="0" smtClean="0"/>
+          </a:p>
+          <a:p>
+            <a:pPr marL="0" indent="0">
+              <a:buNone/>
+            </a:pPr>
+            <a:r>
+              <a:rPr lang="en-US" altLang="zh-TW" dirty="0" smtClean="0">
+                <a:solidFill>
+                  <a:srgbClr val="FF0000"/>
+                </a:solidFill>
+              </a:rPr>
+              <a:t>@extend </a:t>
+            </a:r>
+            <a:r>
+              <a:rPr lang="zh-TW" altLang="en-US" dirty="0" smtClean="0"/>
+              <a:t>物件</a:t>
+            </a:r>
+            <a:r>
+              <a:rPr lang="zh-TW" altLang="en-US" dirty="0" smtClean="0"/>
+              <a:t>名稱</a:t>
+            </a:r>
+            <a:r>
+              <a:rPr lang="en-US" altLang="zh-TW" dirty="0" smtClean="0"/>
+              <a:t>;</a:t>
+            </a:r>
+            <a:endParaRPr lang="en-US" altLang="zh-TW" dirty="0" smtClean="0"/>
           </a:p>
         </p:txBody>
       </p:sp>
     </p:spTree>
     <p:extLst>
       <p:ext uri="{BB962C8B-B14F-4D97-AF65-F5344CB8AC3E}">
-        <p14:creationId xmlns:p14="http://schemas.microsoft.com/office/powerpoint/2010/main" val="190352285"/>
+        <p14:creationId xmlns:p14="http://schemas.microsoft.com/office/powerpoint/2010/main" val="3291795873"/>
       </p:ext>
     </p:extLst>
   </p:cSld>
   <p:clrMapOvr>
     <a:masterClrMapping/>
   </p:clrMapOvr>
+  <p:timing>
+    <p:tnLst>
+      <p:par>
+        <p:cTn id="1" dur="indefinite" restart="never" nodeType="tmRoot"/>
+      </p:par>
+    </p:tnLst>
+  </p:timing>
 </p:sld>
 </file>
 
@@ -5123,8 +5523,16 @@
           <a:lstStyle/>
           <a:p>
             <a:r>
+              <a:rPr lang="en-US" altLang="zh-TW" dirty="0" smtClean="0"/>
+              <a:t>@</a:t>
+            </a:r>
+            <a:r>
+              <a:rPr lang="en-US" altLang="zh-TW" dirty="0" smtClean="0"/>
+              <a:t>extend- </a:t>
+            </a:r>
+            <a:r>
               <a:rPr lang="zh-TW" altLang="en-US" dirty="0" smtClean="0"/>
-              <a:t>數學運算</a:t>
+              <a:t>繼承</a:t>
             </a:r>
             <a:endParaRPr lang="zh-TW" altLang="en-US" dirty="0"/>
           </a:p>
@@ -5132,16 +5540,14 @@
       </p:sp>
       <p:pic>
         <p:nvPicPr>
-          <p:cNvPr id="6" name="內容版面配置區 5"/>
+          <p:cNvPr id="10" name="圖片 9"/>
           <p:cNvPicPr>
-            <a:picLocks noGrp="1" noChangeAspect="1"/>
+            <a:picLocks noChangeAspect="1"/>
           </p:cNvPicPr>
-          <p:nvPr>
-            <p:ph idx="1"/>
-          </p:nvPr>
+          <p:nvPr/>
         </p:nvPicPr>
         <p:blipFill>
-          <a:blip r:embed="rId2">
+          <a:blip r:embed="rId2" cstate="print">
             <a:extLst>
               <a:ext uri="{28A0092B-C50C-407E-A947-70E740481C1C}">
                 <a14:useLocalDpi xmlns:a14="http://schemas.microsoft.com/office/drawing/2010/main" val="0"/>
@@ -5154,21 +5560,139 @@
         </p:blipFill>
         <p:spPr>
           <a:xfrm>
-            <a:off x="2460730" y="2295145"/>
-            <a:ext cx="5695337" cy="2489676"/>
+            <a:off x="2785348" y="2002536"/>
+            <a:ext cx="2234708" cy="2879211"/>
           </a:xfrm>
+          <a:prstGeom prst="rect">
+            <a:avLst/>
+          </a:prstGeom>
         </p:spPr>
       </p:pic>
+      <p:pic>
+        <p:nvPicPr>
+          <p:cNvPr id="11" name="圖片 10"/>
+          <p:cNvPicPr>
+            <a:picLocks noChangeAspect="1"/>
+          </p:cNvPicPr>
+          <p:nvPr/>
+        </p:nvPicPr>
+        <p:blipFill>
+          <a:blip r:embed="rId3">
+            <a:extLst>
+              <a:ext uri="{28A0092B-C50C-407E-A947-70E740481C1C}">
+                <a14:useLocalDpi xmlns:a14="http://schemas.microsoft.com/office/drawing/2010/main" val="0"/>
+              </a:ext>
+            </a:extLst>
+          </a:blip>
+          <a:stretch>
+            <a:fillRect/>
+          </a:stretch>
+        </p:blipFill>
+        <p:spPr>
+          <a:xfrm>
+            <a:off x="6969514" y="1932538"/>
+            <a:ext cx="2412229" cy="3077672"/>
+          </a:xfrm>
+          <a:prstGeom prst="rect">
+            <a:avLst/>
+          </a:prstGeom>
+        </p:spPr>
+      </p:pic>
+      <p:sp>
+        <p:nvSpPr>
+          <p:cNvPr id="12" name="文字方塊 11"/>
+          <p:cNvSpPr txBox="1"/>
+          <p:nvPr/>
+        </p:nvSpPr>
+        <p:spPr>
+          <a:xfrm>
+            <a:off x="3178540" y="5193595"/>
+            <a:ext cx="1329452" cy="369332"/>
+          </a:xfrm>
+          <a:prstGeom prst="rect">
+            <a:avLst/>
+          </a:prstGeom>
+          <a:noFill/>
+        </p:spPr>
+        <p:txBody>
+          <a:bodyPr wrap="square" rtlCol="0">
+            <a:spAutoFit/>
+          </a:bodyPr>
+          <a:lstStyle/>
+          <a:p>
+            <a:r>
+              <a:rPr lang="zh-TW" altLang="en-US" b="1" dirty="0">
+                <a:latin typeface="微軟正黑體" panose="020B0604030504040204" pitchFamily="34" charset="-120"/>
+                <a:ea typeface="微軟正黑體" panose="020B0604030504040204" pitchFamily="34" charset="-120"/>
+              </a:rPr>
+              <a:t>韓國李鐘碩</a:t>
+            </a:r>
+          </a:p>
+        </p:txBody>
+      </p:sp>
+      <p:sp>
+        <p:nvSpPr>
+          <p:cNvPr id="13" name="文字方塊 12"/>
+          <p:cNvSpPr txBox="1"/>
+          <p:nvPr/>
+        </p:nvSpPr>
+        <p:spPr>
+          <a:xfrm>
+            <a:off x="7510902" y="5193595"/>
+            <a:ext cx="1329452" cy="369332"/>
+          </a:xfrm>
+          <a:prstGeom prst="rect">
+            <a:avLst/>
+          </a:prstGeom>
+          <a:noFill/>
+        </p:spPr>
+        <p:txBody>
+          <a:bodyPr wrap="square" rtlCol="0">
+            <a:spAutoFit/>
+          </a:bodyPr>
+          <a:lstStyle/>
+          <a:p>
+            <a:r>
+              <a:rPr lang="zh-TW" altLang="en-US" b="1" dirty="0">
+                <a:latin typeface="微軟正黑體" panose="020B0604030504040204" pitchFamily="34" charset="-120"/>
+                <a:ea typeface="微軟正黑體" panose="020B0604030504040204" pitchFamily="34" charset="-120"/>
+              </a:rPr>
+              <a:t>中原</a:t>
+            </a:r>
+            <a:r>
+              <a:rPr lang="zh-TW" altLang="en-US" b="1" dirty="0" smtClean="0">
+                <a:latin typeface="微軟正黑體" panose="020B0604030504040204" pitchFamily="34" charset="-120"/>
+                <a:ea typeface="微軟正黑體" panose="020B0604030504040204" pitchFamily="34" charset="-120"/>
+              </a:rPr>
+              <a:t>李鐘</a:t>
+            </a:r>
+            <a:r>
+              <a:rPr lang="zh-TW" altLang="en-US" b="1" dirty="0">
+                <a:latin typeface="微軟正黑體" panose="020B0604030504040204" pitchFamily="34" charset="-120"/>
+                <a:ea typeface="微軟正黑體" panose="020B0604030504040204" pitchFamily="34" charset="-120"/>
+              </a:rPr>
+              <a:t>碩</a:t>
+            </a:r>
+          </a:p>
+        </p:txBody>
+      </p:sp>
     </p:spTree>
     <p:extLst>
       <p:ext uri="{BB962C8B-B14F-4D97-AF65-F5344CB8AC3E}">
-        <p14:creationId xmlns:p14="http://schemas.microsoft.com/office/powerpoint/2010/main" val="4270612664"/>
+        <p14:creationId xmlns:p14="http://schemas.microsoft.com/office/powerpoint/2010/main" val="2916337854"/>
       </p:ext>
     </p:extLst>
   </p:cSld>
   <p:clrMapOvr>
     <a:masterClrMapping/>
   </p:clrMapOvr>
+  <p:timing>
+    <p:tnLst>
+      <p:par>
+        <p:cTn id="1" dur="indefinite" restart="never" nodeType="tmRoot"/>
+      </p:par>
+    </p:tnLst>
+  </p:timing>
 </p:sld>
 </file>
 
@@ -5205,127 +5729,176 @@
           <a:lstStyle/>
           <a:p>
             <a:r>
+              <a:rPr lang="en-US" altLang="zh-TW" dirty="0" smtClean="0"/>
+              <a:t>@</a:t>
+            </a:r>
+            <a:r>
+              <a:rPr lang="en-US" altLang="zh-TW" dirty="0" smtClean="0"/>
+              <a:t>extend- </a:t>
+            </a:r>
+            <a:r>
               <a:rPr lang="zh-TW" altLang="en-US" dirty="0" smtClean="0"/>
-              <a:t>匯入 </a:t>
-            </a:r>
-            <a:r>
-              <a:rPr lang="en-US" altLang="zh-TW" dirty="0" smtClean="0"/>
-              <a:t>@import</a:t>
+              <a:t>繼承</a:t>
             </a:r>
             <a:endParaRPr lang="zh-TW" altLang="en-US" dirty="0"/>
           </a:p>
         </p:txBody>
       </p:sp>
-      <p:sp>
-        <p:nvSpPr>
-          <p:cNvPr id="3" name="內容版面配置區 2"/>
-          <p:cNvSpPr>
-            <a:spLocks noGrp="1"/>
-          </p:cNvSpPr>
-          <p:nvPr>
-            <p:ph idx="1"/>
-          </p:nvPr>
-        </p:nvSpPr>
-        <p:spPr/>
-        <p:txBody>
-          <a:bodyPr/>
-          <a:lstStyle/>
-          <a:p>
-            <a:r>
-              <a:rPr lang="zh-TW" altLang="en-US" dirty="0" smtClean="0"/>
-              <a:t>建立一個模組檔案 </a:t>
-            </a:r>
-            <a:r>
-              <a:rPr lang="en-US" altLang="zh-TW" dirty="0" smtClean="0"/>
-              <a:t>_</a:t>
-            </a:r>
-            <a:r>
-              <a:rPr lang="en-US" altLang="zh-TW" dirty="0" err="1" smtClean="0"/>
-              <a:t>reset.scss</a:t>
-            </a:r>
-            <a:endParaRPr lang="en-US" altLang="zh-TW" dirty="0" smtClean="0"/>
-          </a:p>
-          <a:p>
-            <a:r>
-              <a:rPr lang="zh-TW" altLang="en-US" dirty="0"/>
-              <a:t>檔案前面</a:t>
-            </a:r>
-            <a:r>
-              <a:rPr lang="zh-TW" altLang="en-US" dirty="0" smtClean="0"/>
-              <a:t>加底線將不會自動編譯為</a:t>
-            </a:r>
-            <a:r>
-              <a:rPr lang="en-US" altLang="zh-TW" dirty="0" smtClean="0"/>
-              <a:t>CSS</a:t>
-            </a:r>
-            <a:r>
-              <a:rPr lang="zh-TW" altLang="en-US" dirty="0" smtClean="0"/>
-              <a:t>檔案</a:t>
-            </a:r>
-            <a:endParaRPr lang="en-US" altLang="zh-TW" dirty="0" smtClean="0"/>
-          </a:p>
-          <a:p>
-            <a:endParaRPr lang="en-US" altLang="zh-TW" dirty="0"/>
-          </a:p>
-          <a:p>
-            <a:r>
-              <a:rPr lang="zh-TW" altLang="en-US" dirty="0" smtClean="0"/>
-              <a:t>使用模組</a:t>
-            </a:r>
-            <a:r>
-              <a:rPr lang="en-US" altLang="zh-TW" dirty="0" smtClean="0"/>
-              <a:t>:</a:t>
-            </a:r>
-          </a:p>
-          <a:p>
-            <a:r>
-              <a:rPr lang="en-US" altLang="zh-TW" dirty="0" smtClean="0">
-                <a:solidFill>
-                  <a:srgbClr val="FF0000"/>
-                </a:solidFill>
+      <p:pic>
+        <p:nvPicPr>
+          <p:cNvPr id="10" name="圖片 9"/>
+          <p:cNvPicPr>
+            <a:picLocks noChangeAspect="1"/>
+          </p:cNvPicPr>
+          <p:nvPr/>
+        </p:nvPicPr>
+        <p:blipFill>
+          <a:blip r:embed="rId2" cstate="print">
+            <a:extLst>
+              <a:ext uri="{28A0092B-C50C-407E-A947-70E740481C1C}">
+                <a14:useLocalDpi xmlns:a14="http://schemas.microsoft.com/office/drawing/2010/main" val="0"/>
+              </a:ext>
+            </a:extLst>
+          </a:blip>
+          <a:stretch>
+            <a:fillRect/>
+          </a:stretch>
+        </p:blipFill>
+        <p:spPr>
+          <a:xfrm>
+            <a:off x="6964156" y="1925590"/>
+            <a:ext cx="2234708" cy="2879211"/>
+          </a:xfrm>
+          <a:prstGeom prst="rect">
+            <a:avLst/>
+          </a:prstGeom>
+        </p:spPr>
+      </p:pic>
+      <p:pic>
+        <p:nvPicPr>
+          <p:cNvPr id="11" name="圖片 10"/>
+          <p:cNvPicPr>
+            <a:picLocks noChangeAspect="1"/>
+          </p:cNvPicPr>
+          <p:nvPr/>
+        </p:nvPicPr>
+        <p:blipFill>
+          <a:blip r:embed="rId3">
+            <a:extLst>
+              <a:ext uri="{28A0092B-C50C-407E-A947-70E740481C1C}">
+                <a14:useLocalDpi xmlns:a14="http://schemas.microsoft.com/office/drawing/2010/main" val="0"/>
+              </a:ext>
+            </a:extLst>
+          </a:blip>
+          <a:stretch>
+            <a:fillRect/>
+          </a:stretch>
+        </p:blipFill>
+        <p:spPr>
+          <a:xfrm>
+            <a:off x="2637151" y="1874723"/>
+            <a:ext cx="2412229" cy="3077672"/>
+          </a:xfrm>
+          <a:prstGeom prst="rect">
+            <a:avLst/>
+          </a:prstGeom>
+        </p:spPr>
+      </p:pic>
+      <p:sp>
+        <p:nvSpPr>
+          <p:cNvPr id="12" name="文字方塊 11"/>
+          <p:cNvSpPr txBox="1"/>
+          <p:nvPr/>
+        </p:nvSpPr>
+        <p:spPr>
+          <a:xfrm>
+            <a:off x="3178540" y="5193595"/>
+            <a:ext cx="1329452" cy="369332"/>
+          </a:xfrm>
+          <a:prstGeom prst="rect">
+            <a:avLst/>
+          </a:prstGeom>
+          <a:noFill/>
+        </p:spPr>
+        <p:txBody>
+          <a:bodyPr wrap="square" rtlCol="0">
+            <a:spAutoFit/>
+          </a:bodyPr>
+          <a:lstStyle/>
+          <a:p>
+            <a:r>
+              <a:rPr lang="zh-TW" altLang="en-US" b="1" dirty="0">
+                <a:latin typeface="微軟正黑體" panose="020B0604030504040204" pitchFamily="34" charset="-120"/>
+                <a:ea typeface="微軟正黑體" panose="020B0604030504040204" pitchFamily="34" charset="-120"/>
               </a:rPr>
-              <a:t>@import </a:t>
-            </a:r>
-            <a:r>
-              <a:rPr lang="en-US" altLang="zh-TW" dirty="0" smtClean="0"/>
-              <a:t>“reset”;</a:t>
-            </a:r>
-          </a:p>
-          <a:p>
-            <a:r>
-              <a:rPr lang="en-US" altLang="zh-TW" dirty="0" smtClean="0"/>
-              <a:t>*</a:t>
-            </a:r>
-            <a:r>
-              <a:rPr lang="zh-TW" altLang="en-US" dirty="0" smtClean="0"/>
-              <a:t>注意</a:t>
-            </a:r>
-            <a:r>
-              <a:rPr lang="zh-TW" altLang="en-US" dirty="0"/>
-              <a:t> </a:t>
-            </a:r>
-            <a:r>
-              <a:rPr lang="en-US" altLang="zh-TW" dirty="0" smtClean="0"/>
-              <a:t>!</a:t>
-            </a:r>
-            <a:r>
-              <a:rPr lang="zh-TW" altLang="en-US" dirty="0" smtClean="0"/>
-              <a:t> 載入檔案不需要加底線與副檔名</a:t>
-            </a:r>
-            <a:endParaRPr lang="zh-TW" altLang="en-US" dirty="0"/>
+              <a:t>韓國李鐘碩</a:t>
+            </a:r>
+          </a:p>
+        </p:txBody>
+      </p:sp>
+      <p:sp>
+        <p:nvSpPr>
+          <p:cNvPr id="13" name="文字方塊 12"/>
+          <p:cNvSpPr txBox="1"/>
+          <p:nvPr/>
+        </p:nvSpPr>
+        <p:spPr>
+          <a:xfrm>
+            <a:off x="7510902" y="5193595"/>
+            <a:ext cx="1329452" cy="369332"/>
+          </a:xfrm>
+          <a:prstGeom prst="rect">
+            <a:avLst/>
+          </a:prstGeom>
+          <a:noFill/>
+        </p:spPr>
+        <p:txBody>
+          <a:bodyPr wrap="square" rtlCol="0">
+            <a:spAutoFit/>
+          </a:bodyPr>
+          <a:lstStyle/>
+          <a:p>
+            <a:r>
+              <a:rPr lang="zh-TW" altLang="en-US" b="1" dirty="0">
+                <a:latin typeface="微軟正黑體" panose="020B0604030504040204" pitchFamily="34" charset="-120"/>
+                <a:ea typeface="微軟正黑體" panose="020B0604030504040204" pitchFamily="34" charset="-120"/>
+              </a:rPr>
+              <a:t>中原</a:t>
+            </a:r>
+            <a:r>
+              <a:rPr lang="zh-TW" altLang="en-US" b="1" dirty="0" smtClean="0">
+                <a:latin typeface="微軟正黑體" panose="020B0604030504040204" pitchFamily="34" charset="-120"/>
+                <a:ea typeface="微軟正黑體" panose="020B0604030504040204" pitchFamily="34" charset="-120"/>
+              </a:rPr>
+              <a:t>李鐘</a:t>
+            </a:r>
+            <a:r>
+              <a:rPr lang="zh-TW" altLang="en-US" b="1" dirty="0">
+                <a:latin typeface="微軟正黑體" panose="020B0604030504040204" pitchFamily="34" charset="-120"/>
+                <a:ea typeface="微軟正黑體" panose="020B0604030504040204" pitchFamily="34" charset="-120"/>
+              </a:rPr>
+              <a:t>碩</a:t>
+            </a:r>
           </a:p>
         </p:txBody>
       </p:sp>
     </p:spTree>
     <p:extLst>
       <p:ext uri="{BB962C8B-B14F-4D97-AF65-F5344CB8AC3E}">
-        <p14:creationId xmlns:p14="http://schemas.microsoft.com/office/powerpoint/2010/main" val="4175319011"/>
+        <p14:creationId xmlns:p14="http://schemas.microsoft.com/office/powerpoint/2010/main" val="4028566425"/>
       </p:ext>
     </p:extLst>
   </p:cSld>
   <p:clrMapOvr>
     <a:masterClrMapping/>
   </p:clrMapOvr>
+  <p:timing>
+    <p:tnLst>
+      <p:par>
+        <p:cTn id="1" dur="indefinite" restart="never" nodeType="tmRoot"/>
+      </p:par>
+    </p:tnLst>
+  </p:timing>
 </p:sld>
 </file>
 
